--- a/MLFinalProject-AdFraudDetection using ConvNeuralNetworks.pptx
+++ b/MLFinalProject-AdFraudDetection using ConvNeuralNetworks.pptx
@@ -5,13 +5,18 @@
     <p:sldMasterId id="2147483648" r:id="rId1"/>
   </p:sldMasterIdLst>
   <p:notesMasterIdLst>
-    <p:notesMasterId r:id="rId6"/>
+    <p:notesMasterId r:id="rId11"/>
   </p:notesMasterIdLst>
   <p:sldIdLst>
     <p:sldId id="256" r:id="rId2"/>
     <p:sldId id="257" r:id="rId3"/>
     <p:sldId id="258" r:id="rId4"/>
     <p:sldId id="259" r:id="rId5"/>
+    <p:sldId id="260" r:id="rId6"/>
+    <p:sldId id="261" r:id="rId7"/>
+    <p:sldId id="262" r:id="rId8"/>
+    <p:sldId id="263" r:id="rId9"/>
+    <p:sldId id="264" r:id="rId10"/>
   </p:sldIdLst>
   <p:sldSz cx="12192000" cy="6858000"/>
   <p:notesSz cx="6858000" cy="9144000"/>
@@ -110,6 +115,11 @@
       </a:defRPr>
     </a:lvl9pPr>
   </p:defaultTextStyle>
+  <p:extLst>
+    <p:ext uri="{EFAFB233-063F-42B5-8137-9DF3F51BA10A}">
+      <p15:sldGuideLst xmlns:p15="http://schemas.microsoft.com/office/powerpoint/2012/main"/>
+    </p:ext>
+  </p:extLst>
 </p:presentation>
 </file>
 
@@ -195,7 +205,7 @@
           <a:p>
             <a:fld id="{E4AD5723-D790-8A42-AE23-57B1441BAEFB}" type="datetimeFigureOut">
               <a:rPr lang="en-US" smtClean="0"/>
-              <a:t>11/25/18</a:t>
+              <a:t>12/5/18</a:t>
             </a:fld>
             <a:endParaRPr lang="en-US"/>
           </a:p>
@@ -463,6 +473,90 @@
 </p:notesMaster>
 </file>
 
+<file path=ppt/notesSlides/notesSlide1.xml><?xml version="1.0" encoding="utf-8"?>
+<p:notes xmlns:a="http://schemas.openxmlformats.org/drawingml/2006/main" xmlns:r="http://schemas.openxmlformats.org/officeDocument/2006/relationships" xmlns:p="http://schemas.openxmlformats.org/presentationml/2006/main">
+  <p:cSld>
+    <p:spTree>
+      <p:nvGrpSpPr>
+        <p:cNvPr id="1" name=""/>
+        <p:cNvGrpSpPr/>
+        <p:nvPr/>
+      </p:nvGrpSpPr>
+      <p:grpSpPr>
+        <a:xfrm>
+          <a:off x="0" y="0"/>
+          <a:ext cx="0" cy="0"/>
+          <a:chOff x="0" y="0"/>
+          <a:chExt cx="0" cy="0"/>
+        </a:xfrm>
+      </p:grpSpPr>
+      <p:sp>
+        <p:nvSpPr>
+          <p:cNvPr id="2" name="Slide Image Placeholder 1"/>
+          <p:cNvSpPr>
+            <a:spLocks noGrp="1" noRot="1" noChangeAspect="1"/>
+          </p:cNvSpPr>
+          <p:nvPr>
+            <p:ph type="sldImg"/>
+          </p:nvPr>
+        </p:nvSpPr>
+        <p:spPr/>
+      </p:sp>
+      <p:sp>
+        <p:nvSpPr>
+          <p:cNvPr id="3" name="Notes Placeholder 2"/>
+          <p:cNvSpPr>
+            <a:spLocks noGrp="1"/>
+          </p:cNvSpPr>
+          <p:nvPr>
+            <p:ph type="body" idx="1"/>
+          </p:nvPr>
+        </p:nvSpPr>
+        <p:spPr/>
+        <p:txBody>
+          <a:bodyPr/>
+          <a:lstStyle/>
+          <a:p>
+            <a:endParaRPr lang="en-US" dirty="0"/>
+          </a:p>
+        </p:txBody>
+      </p:sp>
+      <p:sp>
+        <p:nvSpPr>
+          <p:cNvPr id="4" name="Slide Number Placeholder 3"/>
+          <p:cNvSpPr>
+            <a:spLocks noGrp="1"/>
+          </p:cNvSpPr>
+          <p:nvPr>
+            <p:ph type="sldNum" sz="quarter" idx="10"/>
+          </p:nvPr>
+        </p:nvSpPr>
+        <p:spPr/>
+        <p:txBody>
+          <a:bodyPr/>
+          <a:lstStyle/>
+          <a:p>
+            <a:fld id="{29607118-EC64-8E49-B476-7B8AF94CB2BA}" type="slidenum">
+              <a:rPr lang="en-US" smtClean="0"/>
+              <a:t>7</a:t>
+            </a:fld>
+            <a:endParaRPr lang="en-US"/>
+          </a:p>
+        </p:txBody>
+      </p:sp>
+    </p:spTree>
+    <p:extLst>
+      <p:ext uri="{BB962C8B-B14F-4D97-AF65-F5344CB8AC3E}">
+        <p14:creationId xmlns:p14="http://schemas.microsoft.com/office/powerpoint/2010/main" val="910629010"/>
+      </p:ext>
+    </p:extLst>
+  </p:cSld>
+  <p:clrMapOvr>
+    <a:masterClrMapping/>
+  </p:clrMapOvr>
+</p:notes>
+</file>
+
 <file path=ppt/slideLayouts/slideLayout1.xml><?xml version="1.0" encoding="utf-8"?>
 <p:sldLayout xmlns:a="http://schemas.openxmlformats.org/drawingml/2006/main" xmlns:r="http://schemas.openxmlformats.org/officeDocument/2006/relationships" xmlns:p="http://schemas.openxmlformats.org/presentationml/2006/main" type="title" preserve="1">
   <p:cSld name="Title Slide">
@@ -1873,7 +1967,7 @@
             <a:fld id="{48A87A34-81AB-432B-8DAE-1953F412C126}" type="datetimeFigureOut">
               <a:rPr lang="en-US" dirty="0"/>
               <a:pPr/>
-              <a:t>11/25/18</a:t>
+              <a:t>12/5/18</a:t>
             </a:fld>
             <a:endParaRPr lang="en-US" dirty="0"/>
           </a:p>
@@ -3327,7 +3421,7 @@
           <a:p>
             <a:fld id="{48A87A34-81AB-432B-8DAE-1953F412C126}" type="datetimeFigureOut">
               <a:rPr lang="en-US" dirty="0"/>
-              <a:t>11/25/18</a:t>
+              <a:t>12/5/18</a:t>
             </a:fld>
             <a:endParaRPr lang="en-US" dirty="0"/>
           </a:p>
@@ -4775,7 +4869,7 @@
           <a:p>
             <a:fld id="{48A87A34-81AB-432B-8DAE-1953F412C126}" type="datetimeFigureOut">
               <a:rPr lang="en-US" dirty="0"/>
-              <a:t>11/25/18</a:t>
+              <a:t>12/5/18</a:t>
             </a:fld>
             <a:endParaRPr lang="en-US" dirty="0"/>
           </a:p>
@@ -6225,7 +6319,7 @@
           <a:p>
             <a:fld id="{48A87A34-81AB-432B-8DAE-1953F412C126}" type="datetimeFigureOut">
               <a:rPr lang="en-US" dirty="0"/>
-              <a:t>11/25/18</a:t>
+              <a:t>12/5/18</a:t>
             </a:fld>
             <a:endParaRPr lang="en-US" dirty="0"/>
           </a:p>
@@ -7728,7 +7822,7 @@
           <a:p>
             <a:fld id="{48A87A34-81AB-432B-8DAE-1953F412C126}" type="datetimeFigureOut">
               <a:rPr lang="en-US" dirty="0"/>
-              <a:t>11/25/18</a:t>
+              <a:t>12/5/18</a:t>
             </a:fld>
             <a:endParaRPr lang="en-US" dirty="0"/>
           </a:p>
@@ -9244,7 +9338,7 @@
           <a:p>
             <a:fld id="{48A87A34-81AB-432B-8DAE-1953F412C126}" type="datetimeFigureOut">
               <a:rPr lang="en-US" dirty="0"/>
-              <a:t>11/25/18</a:t>
+              <a:t>12/5/18</a:t>
             </a:fld>
             <a:endParaRPr lang="en-US" dirty="0"/>
           </a:p>
@@ -10904,7 +10998,7 @@
           <a:p>
             <a:fld id="{48A87A34-81AB-432B-8DAE-1953F412C126}" type="datetimeFigureOut">
               <a:rPr lang="en-US" dirty="0"/>
-              <a:t>11/25/18</a:t>
+              <a:t>12/5/18</a:t>
             </a:fld>
             <a:endParaRPr lang="en-US" dirty="0"/>
           </a:p>
@@ -12297,7 +12391,7 @@
           <a:p>
             <a:fld id="{48A87A34-81AB-432B-8DAE-1953F412C126}" type="datetimeFigureOut">
               <a:rPr lang="en-US" dirty="0"/>
-              <a:t>11/25/18</a:t>
+              <a:t>12/5/18</a:t>
             </a:fld>
             <a:endParaRPr lang="en-US" dirty="0"/>
           </a:p>
@@ -12392,7 +12486,7 @@
           <a:p>
             <a:fld id="{48A87A34-81AB-432B-8DAE-1953F412C126}" type="datetimeFigureOut">
               <a:rPr lang="en-US" dirty="0"/>
-              <a:t>11/25/18</a:t>
+              <a:t>12/5/18</a:t>
             </a:fld>
             <a:endParaRPr lang="en-US" dirty="0"/>
           </a:p>
@@ -13913,7 +14007,7 @@
           <a:p>
             <a:fld id="{48A87A34-81AB-432B-8DAE-1953F412C126}" type="datetimeFigureOut">
               <a:rPr lang="en-US" dirty="0"/>
-              <a:t>11/25/18</a:t>
+              <a:t>12/5/18</a:t>
             </a:fld>
             <a:endParaRPr lang="en-US" dirty="0"/>
           </a:p>
@@ -15444,7 +15538,7 @@
           <a:p>
             <a:fld id="{48A87A34-81AB-432B-8DAE-1953F412C126}" type="datetimeFigureOut">
               <a:rPr lang="en-US" dirty="0"/>
-              <a:t>11/25/18</a:t>
+              <a:t>12/5/18</a:t>
             </a:fld>
             <a:endParaRPr lang="en-US" dirty="0"/>
           </a:p>
@@ -15690,7 +15784,7 @@
             <a:fld id="{48A87A34-81AB-432B-8DAE-1953F412C126}" type="datetimeFigureOut">
               <a:rPr lang="en-US" dirty="0"/>
               <a:pPr/>
-              <a:t>11/25/18</a:t>
+              <a:t>12/5/18</a:t>
             </a:fld>
             <a:endParaRPr lang="en-US" dirty="0"/>
           </a:p>
@@ -16305,7 +16399,9 @@
           </a:xfrm>
         </p:spPr>
         <p:txBody>
-          <a:bodyPr/>
+          <a:bodyPr>
+            <a:normAutofit lnSpcReduction="10000"/>
+          </a:bodyPr>
           <a:lstStyle/>
           <a:p>
             <a:pPr marL="0" indent="0">
@@ -16339,16 +16435,20 @@
           </a:p>
           <a:p>
             <a:r>
-              <a:rPr lang="en-US" sz="2400" dirty="0"/>
-              <a:t>misleading click data and </a:t>
+              <a:rPr lang="en-US" sz="2400" dirty="0" smtClean="0"/>
+              <a:t>Companies end up paying for misleading </a:t>
             </a:r>
             <a:r>
-              <a:rPr lang="en-US" sz="2400" b="1" dirty="0"/>
-              <a:t>wasted </a:t>
+              <a:rPr lang="en-US" sz="2400" dirty="0"/>
+              <a:t>click data and </a:t>
+            </a:r>
+            <a:r>
+              <a:rPr lang="en-US" sz="2400" dirty="0" smtClean="0"/>
+              <a:t>thus </a:t>
             </a:r>
             <a:r>
               <a:rPr lang="en-US" sz="2400" b="1" dirty="0" smtClean="0"/>
-              <a:t>money</a:t>
+              <a:t>wasted money</a:t>
             </a:r>
           </a:p>
           <a:p>
@@ -16363,12 +16463,36 @@
               <a:t>Source : </a:t>
             </a:r>
             <a:r>
+              <a:rPr lang="en-US" sz="2400" b="1" dirty="0" err="1" smtClean="0">
+                <a:solidFill>
+                  <a:srgbClr val="FF0000"/>
+                </a:solidFill>
+              </a:rPr>
+              <a:t>TalkingData</a:t>
+            </a:r>
+            <a:r>
               <a:rPr lang="en-US" sz="2400" b="1" dirty="0" smtClean="0">
                 <a:solidFill>
                   <a:srgbClr val="FF0000"/>
                 </a:solidFill>
               </a:rPr>
-              <a:t>TalkingData </a:t>
+              <a:t> (a </a:t>
+            </a:r>
+            <a:r>
+              <a:rPr lang="en-US" sz="2400" b="1" dirty="0" err="1" smtClean="0">
+                <a:solidFill>
+                  <a:srgbClr val="FF0000"/>
+                </a:solidFill>
+              </a:rPr>
+              <a:t>kaggle</a:t>
+            </a:r>
+            <a:r>
+              <a:rPr lang="en-US" sz="2400" b="1" dirty="0" smtClean="0">
+                <a:solidFill>
+                  <a:srgbClr val="FF0000"/>
+                </a:solidFill>
+              </a:rPr>
+              <a:t> dataset) </a:t>
             </a:r>
             <a:r>
               <a:rPr lang="en-US" sz="2400" b="1" dirty="0" smtClean="0"/>
@@ -16493,33 +16617,25 @@
             </a:r>
             <a:r>
               <a:rPr lang="en-US" sz="2400" dirty="0"/>
-              <a:t>of a user’s click across their portfolio</a:t>
+              <a:t>of a user’s click across their </a:t>
             </a:r>
             <a:r>
               <a:rPr lang="en-US" sz="2400" dirty="0" smtClean="0"/>
-              <a:t>,</a:t>
+              <a:t>portfolio</a:t>
             </a:r>
           </a:p>
           <a:p>
             <a:r>
-              <a:rPr lang="en-US" sz="2400" dirty="0" err="1" smtClean="0"/>
-              <a:t>Falg</a:t>
+              <a:rPr lang="en-US" sz="2400" dirty="0" smtClean="0"/>
+              <a:t>Flag IPs that produce lot of clicks that </a:t>
             </a:r>
             <a:r>
               <a:rPr lang="en-US" sz="2400" dirty="0" smtClean="0"/>
-              <a:t> IPs that produce lot of clicks that </a:t>
-            </a:r>
-            <a:r>
-              <a:rPr lang="en-US" sz="2400" dirty="0" err="1" smtClean="0"/>
-              <a:t>doesn</a:t>
-            </a:r>
-            <a:r>
-              <a:rPr lang="mr-IN" sz="2400" dirty="0" smtClean="0"/>
-              <a:t>’</a:t>
+              <a:t>doesn't </a:t>
             </a:r>
             <a:r>
               <a:rPr lang="en-US" sz="2400" dirty="0" smtClean="0"/>
-              <a:t>t install apps</a:t>
+              <a:t>install apps</a:t>
             </a:r>
           </a:p>
           <a:p>
@@ -16609,7 +16725,7 @@
         </p:spPr>
         <p:txBody>
           <a:bodyPr>
-            <a:normAutofit fontScale="47500" lnSpcReduction="20000"/>
+            <a:normAutofit fontScale="40000" lnSpcReduction="20000"/>
           </a:bodyPr>
           <a:lstStyle/>
           <a:p>
@@ -16617,7 +16733,7 @@
               <a:buNone/>
             </a:pPr>
             <a:r>
-              <a:rPr lang="en-US" sz="5800" dirty="0" smtClean="0"/>
+              <a:rPr lang="en-US" sz="6700" dirty="0" smtClean="0"/>
               <a:t>What data do we have?</a:t>
             </a:r>
           </a:p>
@@ -16633,7 +16749,7 @@
             </a:pPr>
             <a:r>
               <a:rPr lang="en-US" sz="3800" dirty="0" smtClean="0"/>
-              <a:t>Each </a:t>
+              <a:t>Our training dataset consists of 100,000 rows of data. Each </a:t>
             </a:r>
             <a:r>
               <a:rPr lang="en-US" sz="3800" dirty="0"/>
@@ -16788,7 +16904,7 @@
           <a:p>
             <a:pPr fontAlgn="base"/>
             <a:r>
-              <a:rPr lang="en-US" sz="3600" dirty="0" err="1">
+              <a:rPr lang="en-US" sz="3600" b="1" dirty="0" err="1" smtClean="0">
                 <a:solidFill>
                   <a:srgbClr val="FF0000"/>
                 </a:solidFill>
@@ -16796,12 +16912,35 @@
               <a:t>is_attributed</a:t>
             </a:r>
             <a:r>
-              <a:rPr lang="en-US" sz="3600" dirty="0"/>
-              <a:t>: </a:t>
+              <a:rPr lang="en-US" sz="3600" b="1" dirty="0" smtClean="0"/>
+              <a:t>: indicating the app was downloaded</a:t>
+            </a:r>
+          </a:p>
+          <a:p>
+            <a:pPr fontAlgn="base"/>
+            <a:r>
+              <a:rPr lang="en-US" sz="3600" b="1" dirty="0" smtClean="0">
+                <a:solidFill>
+                  <a:srgbClr val="FF0000"/>
+                </a:solidFill>
+              </a:rPr>
+              <a:t>response</a:t>
             </a:r>
             <a:r>
-              <a:rPr lang="en-US" sz="3600" b="1" dirty="0"/>
-              <a:t>the target that is to be predicted, indicating the app was downloaded</a:t>
+              <a:rPr lang="en-US" sz="3600" b="1" dirty="0" smtClean="0"/>
+              <a:t> : Derived from </a:t>
+            </a:r>
+            <a:r>
+              <a:rPr lang="en-US" sz="3600" b="1" dirty="0" err="1" smtClean="0"/>
+              <a:t>is_attributed</a:t>
+            </a:r>
+            <a:r>
+              <a:rPr lang="en-US" sz="3600" b="1" smtClean="0"/>
+              <a:t> - 1 </a:t>
+            </a:r>
+            <a:r>
+              <a:rPr lang="en-US" sz="3600" b="1" dirty="0" smtClean="0"/>
+              <a:t>if fraud , 0 if genuine click</a:t>
             </a:r>
           </a:p>
           <a:p>
@@ -16813,6 +16952,4716 @@
     <p:extLst>
       <p:ext uri="{BB962C8B-B14F-4D97-AF65-F5344CB8AC3E}">
         <p14:creationId xmlns:p14="http://schemas.microsoft.com/office/powerpoint/2010/main" val="1408753743"/>
+      </p:ext>
+    </p:extLst>
+  </p:cSld>
+  <p:clrMapOvr>
+    <a:masterClrMapping/>
+  </p:clrMapOvr>
+</p:sld>
+</file>
+
+<file path=ppt/slides/slide5.xml><?xml version="1.0" encoding="utf-8"?>
+<p:sld xmlns:a="http://schemas.openxmlformats.org/drawingml/2006/main" xmlns:r="http://schemas.openxmlformats.org/officeDocument/2006/relationships" xmlns:p="http://schemas.openxmlformats.org/presentationml/2006/main">
+  <p:cSld>
+    <p:spTree>
+      <p:nvGrpSpPr>
+        <p:cNvPr id="1" name=""/>
+        <p:cNvGrpSpPr/>
+        <p:nvPr/>
+      </p:nvGrpSpPr>
+      <p:grpSpPr>
+        <a:xfrm>
+          <a:off x="0" y="0"/>
+          <a:ext cx="0" cy="0"/>
+          <a:chOff x="0" y="0"/>
+          <a:chExt cx="0" cy="0"/>
+        </a:xfrm>
+      </p:grpSpPr>
+      <p:pic>
+        <p:nvPicPr>
+          <p:cNvPr id="2" name="Picture 1"/>
+          <p:cNvPicPr>
+            <a:picLocks noChangeAspect="1"/>
+          </p:cNvPicPr>
+          <p:nvPr/>
+        </p:nvPicPr>
+        <p:blipFill>
+          <a:blip r:embed="rId2"/>
+          <a:stretch>
+            <a:fillRect/>
+          </a:stretch>
+        </p:blipFill>
+        <p:spPr>
+          <a:xfrm>
+            <a:off x="857893" y="2109017"/>
+            <a:ext cx="3731589" cy="3053754"/>
+          </a:xfrm>
+          <a:prstGeom prst="rect">
+            <a:avLst/>
+          </a:prstGeom>
+        </p:spPr>
+      </p:pic>
+      <p:pic>
+        <p:nvPicPr>
+          <p:cNvPr id="3" name="Picture 2"/>
+          <p:cNvPicPr>
+            <a:picLocks noChangeAspect="1"/>
+          </p:cNvPicPr>
+          <p:nvPr/>
+        </p:nvPicPr>
+        <p:blipFill>
+          <a:blip r:embed="rId3"/>
+          <a:stretch>
+            <a:fillRect/>
+          </a:stretch>
+        </p:blipFill>
+        <p:spPr>
+          <a:xfrm>
+            <a:off x="4589482" y="2109017"/>
+            <a:ext cx="3330403" cy="3053755"/>
+          </a:xfrm>
+          <a:prstGeom prst="rect">
+            <a:avLst/>
+          </a:prstGeom>
+        </p:spPr>
+      </p:pic>
+      <p:pic>
+        <p:nvPicPr>
+          <p:cNvPr id="4" name="Picture 3"/>
+          <p:cNvPicPr>
+            <a:picLocks noChangeAspect="1"/>
+          </p:cNvPicPr>
+          <p:nvPr/>
+        </p:nvPicPr>
+        <p:blipFill>
+          <a:blip r:embed="rId4"/>
+          <a:stretch>
+            <a:fillRect/>
+          </a:stretch>
+        </p:blipFill>
+        <p:spPr>
+          <a:xfrm>
+            <a:off x="8169426" y="2109017"/>
+            <a:ext cx="3526065" cy="3053754"/>
+          </a:xfrm>
+          <a:prstGeom prst="rect">
+            <a:avLst/>
+          </a:prstGeom>
+        </p:spPr>
+      </p:pic>
+      <p:sp>
+        <p:nvSpPr>
+          <p:cNvPr id="5" name="Oval 4"/>
+          <p:cNvSpPr/>
+          <p:nvPr/>
+        </p:nvSpPr>
+        <p:spPr>
+          <a:xfrm>
+            <a:off x="2477729" y="4159045"/>
+            <a:ext cx="1401097" cy="648929"/>
+          </a:xfrm>
+          <a:prstGeom prst="ellipse">
+            <a:avLst/>
+          </a:prstGeom>
+          <a:noFill/>
+        </p:spPr>
+        <p:style>
+          <a:lnRef idx="2">
+            <a:schemeClr val="accent1">
+              <a:shade val="50000"/>
+            </a:schemeClr>
+          </a:lnRef>
+          <a:fillRef idx="1">
+            <a:schemeClr val="accent1"/>
+          </a:fillRef>
+          <a:effectRef idx="0">
+            <a:schemeClr val="accent1"/>
+          </a:effectRef>
+          <a:fontRef idx="minor">
+            <a:schemeClr val="lt1"/>
+          </a:fontRef>
+        </p:style>
+        <p:txBody>
+          <a:bodyPr rtlCol="0" anchor="ctr"/>
+          <a:lstStyle/>
+          <a:p>
+            <a:pPr algn="ctr"/>
+            <a:endParaRPr lang="en-US"/>
+          </a:p>
+        </p:txBody>
+      </p:sp>
+      <p:sp>
+        <p:nvSpPr>
+          <p:cNvPr id="6" name="Oval 5"/>
+          <p:cNvSpPr/>
+          <p:nvPr/>
+        </p:nvSpPr>
+        <p:spPr>
+          <a:xfrm>
+            <a:off x="5721784" y="4183624"/>
+            <a:ext cx="1548581" cy="648929"/>
+          </a:xfrm>
+          <a:prstGeom prst="ellipse">
+            <a:avLst/>
+          </a:prstGeom>
+          <a:noFill/>
+        </p:spPr>
+        <p:style>
+          <a:lnRef idx="2">
+            <a:schemeClr val="accent1">
+              <a:shade val="50000"/>
+            </a:schemeClr>
+          </a:lnRef>
+          <a:fillRef idx="1">
+            <a:schemeClr val="accent1"/>
+          </a:fillRef>
+          <a:effectRef idx="0">
+            <a:schemeClr val="accent1"/>
+          </a:effectRef>
+          <a:fontRef idx="minor">
+            <a:schemeClr val="lt1"/>
+          </a:fontRef>
+        </p:style>
+        <p:txBody>
+          <a:bodyPr rtlCol="0" anchor="ctr"/>
+          <a:lstStyle/>
+          <a:p>
+            <a:pPr algn="ctr"/>
+            <a:endParaRPr lang="en-US"/>
+          </a:p>
+        </p:txBody>
+      </p:sp>
+      <p:sp>
+        <p:nvSpPr>
+          <p:cNvPr id="7" name="Oval 6"/>
+          <p:cNvSpPr/>
+          <p:nvPr/>
+        </p:nvSpPr>
+        <p:spPr>
+          <a:xfrm>
+            <a:off x="9027607" y="4159045"/>
+            <a:ext cx="1597742" cy="648929"/>
+          </a:xfrm>
+          <a:prstGeom prst="ellipse">
+            <a:avLst/>
+          </a:prstGeom>
+          <a:noFill/>
+        </p:spPr>
+        <p:style>
+          <a:lnRef idx="2">
+            <a:schemeClr val="accent1">
+              <a:shade val="50000"/>
+            </a:schemeClr>
+          </a:lnRef>
+          <a:fillRef idx="1">
+            <a:schemeClr val="accent1"/>
+          </a:fillRef>
+          <a:effectRef idx="0">
+            <a:schemeClr val="accent1"/>
+          </a:effectRef>
+          <a:fontRef idx="minor">
+            <a:schemeClr val="lt1"/>
+          </a:fontRef>
+        </p:style>
+        <p:txBody>
+          <a:bodyPr rtlCol="0" anchor="ctr"/>
+          <a:lstStyle/>
+          <a:p>
+            <a:pPr algn="ctr"/>
+            <a:endParaRPr lang="en-US"/>
+          </a:p>
+        </p:txBody>
+      </p:sp>
+      <p:sp>
+        <p:nvSpPr>
+          <p:cNvPr id="8" name="Rectangle 7"/>
+          <p:cNvSpPr/>
+          <p:nvPr/>
+        </p:nvSpPr>
+        <p:spPr>
+          <a:xfrm>
+            <a:off x="4212532" y="5516175"/>
+            <a:ext cx="4567084" cy="988142"/>
+          </a:xfrm>
+          <a:prstGeom prst="rect">
+            <a:avLst/>
+          </a:prstGeom>
+          <a:noFill/>
+        </p:spPr>
+        <p:style>
+          <a:lnRef idx="2">
+            <a:schemeClr val="accent1">
+              <a:shade val="50000"/>
+            </a:schemeClr>
+          </a:lnRef>
+          <a:fillRef idx="1">
+            <a:schemeClr val="accent1"/>
+          </a:fillRef>
+          <a:effectRef idx="0">
+            <a:schemeClr val="accent1"/>
+          </a:effectRef>
+          <a:fontRef idx="minor">
+            <a:schemeClr val="lt1"/>
+          </a:fontRef>
+        </p:style>
+        <p:txBody>
+          <a:bodyPr rtlCol="0" anchor="ctr"/>
+          <a:lstStyle/>
+          <a:p>
+            <a:pPr algn="ctr"/>
+            <a:r>
+              <a:rPr lang="en-US" dirty="0" smtClean="0">
+                <a:solidFill>
+                  <a:schemeClr val="tx1"/>
+                </a:solidFill>
+              </a:rPr>
+              <a:t>Clearly certain apps/devices/OS are always used for fraud</a:t>
+            </a:r>
+            <a:endParaRPr lang="en-US" dirty="0">
+              <a:solidFill>
+                <a:schemeClr val="tx1"/>
+              </a:solidFill>
+            </a:endParaRPr>
+          </a:p>
+        </p:txBody>
+      </p:sp>
+      <p:sp>
+        <p:nvSpPr>
+          <p:cNvPr id="10" name="TextBox 9"/>
+          <p:cNvSpPr txBox="1"/>
+          <p:nvPr/>
+        </p:nvSpPr>
+        <p:spPr>
+          <a:xfrm>
+            <a:off x="209396" y="2467155"/>
+            <a:ext cx="797911" cy="369332"/>
+          </a:xfrm>
+          <a:prstGeom prst="rect">
+            <a:avLst/>
+          </a:prstGeom>
+          <a:noFill/>
+        </p:spPr>
+        <p:txBody>
+          <a:bodyPr wrap="none" rtlCol="0">
+            <a:spAutoFit/>
+          </a:bodyPr>
+          <a:lstStyle/>
+          <a:p>
+            <a:r>
+              <a:rPr lang="en-US" smtClean="0"/>
+              <a:t>Fraud</a:t>
+            </a:r>
+            <a:endParaRPr lang="en-US"/>
+          </a:p>
+        </p:txBody>
+      </p:sp>
+      <p:sp>
+        <p:nvSpPr>
+          <p:cNvPr id="11" name="TextBox 10"/>
+          <p:cNvSpPr txBox="1"/>
+          <p:nvPr/>
+        </p:nvSpPr>
+        <p:spPr>
+          <a:xfrm>
+            <a:off x="155803" y="4323422"/>
+            <a:ext cx="1098378" cy="369332"/>
+          </a:xfrm>
+          <a:prstGeom prst="rect">
+            <a:avLst/>
+          </a:prstGeom>
+          <a:noFill/>
+        </p:spPr>
+        <p:txBody>
+          <a:bodyPr wrap="none" rtlCol="0">
+            <a:spAutoFit/>
+          </a:bodyPr>
+          <a:lstStyle/>
+          <a:p>
+            <a:r>
+              <a:rPr lang="en-US" smtClean="0"/>
+              <a:t>Geunine</a:t>
+            </a:r>
+            <a:endParaRPr lang="en-US" dirty="0" smtClean="0"/>
+          </a:p>
+        </p:txBody>
+      </p:sp>
+      <p:sp>
+        <p:nvSpPr>
+          <p:cNvPr id="12" name="Rectangle 11"/>
+          <p:cNvSpPr/>
+          <p:nvPr/>
+        </p:nvSpPr>
+        <p:spPr>
+          <a:xfrm>
+            <a:off x="3317988" y="822393"/>
+            <a:ext cx="5873390" cy="584775"/>
+          </a:xfrm>
+          <a:prstGeom prst="rect">
+            <a:avLst/>
+          </a:prstGeom>
+        </p:spPr>
+        <p:txBody>
+          <a:bodyPr wrap="square">
+            <a:spAutoFit/>
+          </a:bodyPr>
+          <a:lstStyle/>
+          <a:p>
+            <a:pPr algn="ctr"/>
+            <a:r>
+              <a:rPr lang="en-US" sz="3200" dirty="0" smtClean="0"/>
+              <a:t>Data Exploration</a:t>
+            </a:r>
+            <a:endParaRPr lang="en-US" sz="3200" dirty="0"/>
+          </a:p>
+        </p:txBody>
+      </p:sp>
+      <p:cxnSp>
+        <p:nvCxnSpPr>
+          <p:cNvPr id="14" name="Straight Arrow Connector 13"/>
+          <p:cNvCxnSpPr>
+            <a:stCxn id="5" idx="5"/>
+            <a:endCxn id="8" idx="0"/>
+          </p:cNvCxnSpPr>
+          <p:nvPr/>
+        </p:nvCxnSpPr>
+        <p:spPr>
+          <a:xfrm>
+            <a:off x="3673640" y="4712941"/>
+            <a:ext cx="2822434" cy="803234"/>
+          </a:xfrm>
+          <a:prstGeom prst="straightConnector1">
+            <a:avLst/>
+          </a:prstGeom>
+          <a:ln w="34925">
+            <a:tailEnd type="triangle"/>
+          </a:ln>
+        </p:spPr>
+        <p:style>
+          <a:lnRef idx="1">
+            <a:schemeClr val="accent1"/>
+          </a:lnRef>
+          <a:fillRef idx="0">
+            <a:schemeClr val="accent1"/>
+          </a:fillRef>
+          <a:effectRef idx="0">
+            <a:schemeClr val="accent1"/>
+          </a:effectRef>
+          <a:fontRef idx="minor">
+            <a:schemeClr val="tx1"/>
+          </a:fontRef>
+        </p:style>
+      </p:cxnSp>
+      <p:cxnSp>
+        <p:nvCxnSpPr>
+          <p:cNvPr id="15" name="Straight Arrow Connector 14"/>
+          <p:cNvCxnSpPr>
+            <a:stCxn id="6" idx="4"/>
+            <a:endCxn id="8" idx="0"/>
+          </p:cNvCxnSpPr>
+          <p:nvPr/>
+        </p:nvCxnSpPr>
+        <p:spPr>
+          <a:xfrm flipH="1">
+            <a:off x="6496074" y="4832553"/>
+            <a:ext cx="1" cy="683622"/>
+          </a:xfrm>
+          <a:prstGeom prst="straightConnector1">
+            <a:avLst/>
+          </a:prstGeom>
+          <a:ln w="34925">
+            <a:tailEnd type="triangle"/>
+          </a:ln>
+        </p:spPr>
+        <p:style>
+          <a:lnRef idx="1">
+            <a:schemeClr val="accent1"/>
+          </a:lnRef>
+          <a:fillRef idx="0">
+            <a:schemeClr val="accent1"/>
+          </a:fillRef>
+          <a:effectRef idx="0">
+            <a:schemeClr val="accent1"/>
+          </a:effectRef>
+          <a:fontRef idx="minor">
+            <a:schemeClr val="tx1"/>
+          </a:fontRef>
+        </p:style>
+      </p:cxnSp>
+      <p:cxnSp>
+        <p:nvCxnSpPr>
+          <p:cNvPr id="18" name="Straight Arrow Connector 17"/>
+          <p:cNvCxnSpPr>
+            <a:stCxn id="7" idx="4"/>
+            <a:endCxn id="8" idx="0"/>
+          </p:cNvCxnSpPr>
+          <p:nvPr/>
+        </p:nvCxnSpPr>
+        <p:spPr>
+          <a:xfrm flipH="1">
+            <a:off x="6496074" y="4807974"/>
+            <a:ext cx="3330404" cy="708201"/>
+          </a:xfrm>
+          <a:prstGeom prst="straightConnector1">
+            <a:avLst/>
+          </a:prstGeom>
+          <a:ln w="34925">
+            <a:tailEnd type="triangle"/>
+          </a:ln>
+        </p:spPr>
+        <p:style>
+          <a:lnRef idx="1">
+            <a:schemeClr val="accent1"/>
+          </a:lnRef>
+          <a:fillRef idx="0">
+            <a:schemeClr val="accent1"/>
+          </a:fillRef>
+          <a:effectRef idx="0">
+            <a:schemeClr val="accent1"/>
+          </a:effectRef>
+          <a:fontRef idx="minor">
+            <a:schemeClr val="tx1"/>
+          </a:fontRef>
+        </p:style>
+      </p:cxnSp>
+      <p:cxnSp>
+        <p:nvCxnSpPr>
+          <p:cNvPr id="25" name="Straight Arrow Connector 24"/>
+          <p:cNvCxnSpPr/>
+          <p:nvPr/>
+        </p:nvCxnSpPr>
+        <p:spPr>
+          <a:xfrm flipV="1">
+            <a:off x="3053751" y="2836487"/>
+            <a:ext cx="0" cy="1322558"/>
+          </a:xfrm>
+          <a:prstGeom prst="straightConnector1">
+            <a:avLst/>
+          </a:prstGeom>
+          <a:ln w="34925">
+            <a:tailEnd type="triangle"/>
+          </a:ln>
+        </p:spPr>
+        <p:style>
+          <a:lnRef idx="1">
+            <a:schemeClr val="accent1"/>
+          </a:lnRef>
+          <a:fillRef idx="0">
+            <a:schemeClr val="accent1"/>
+          </a:fillRef>
+          <a:effectRef idx="0">
+            <a:schemeClr val="accent1"/>
+          </a:effectRef>
+          <a:fontRef idx="minor">
+            <a:schemeClr val="tx1"/>
+          </a:fontRef>
+        </p:style>
+      </p:cxnSp>
+      <p:cxnSp>
+        <p:nvCxnSpPr>
+          <p:cNvPr id="28" name="Straight Arrow Connector 27"/>
+          <p:cNvCxnSpPr/>
+          <p:nvPr/>
+        </p:nvCxnSpPr>
+        <p:spPr>
+          <a:xfrm flipV="1">
+            <a:off x="6496074" y="2836487"/>
+            <a:ext cx="0" cy="1347137"/>
+          </a:xfrm>
+          <a:prstGeom prst="straightConnector1">
+            <a:avLst/>
+          </a:prstGeom>
+          <a:ln w="34925">
+            <a:tailEnd type="triangle"/>
+          </a:ln>
+        </p:spPr>
+        <p:style>
+          <a:lnRef idx="1">
+            <a:schemeClr val="accent1"/>
+          </a:lnRef>
+          <a:fillRef idx="0">
+            <a:schemeClr val="accent1"/>
+          </a:fillRef>
+          <a:effectRef idx="0">
+            <a:schemeClr val="accent1"/>
+          </a:effectRef>
+          <a:fontRef idx="minor">
+            <a:schemeClr val="tx1"/>
+          </a:fontRef>
+        </p:style>
+      </p:cxnSp>
+      <p:cxnSp>
+        <p:nvCxnSpPr>
+          <p:cNvPr id="30" name="Straight Arrow Connector 29"/>
+          <p:cNvCxnSpPr>
+            <a:stCxn id="7" idx="0"/>
+          </p:cNvCxnSpPr>
+          <p:nvPr/>
+        </p:nvCxnSpPr>
+        <p:spPr>
+          <a:xfrm flipV="1">
+            <a:off x="9826478" y="2836487"/>
+            <a:ext cx="352692" cy="1322558"/>
+          </a:xfrm>
+          <a:prstGeom prst="straightConnector1">
+            <a:avLst/>
+          </a:prstGeom>
+          <a:ln w="34925">
+            <a:tailEnd type="triangle"/>
+          </a:ln>
+        </p:spPr>
+        <p:style>
+          <a:lnRef idx="1">
+            <a:schemeClr val="accent1"/>
+          </a:lnRef>
+          <a:fillRef idx="0">
+            <a:schemeClr val="accent1"/>
+          </a:fillRef>
+          <a:effectRef idx="0">
+            <a:schemeClr val="accent1"/>
+          </a:effectRef>
+          <a:fontRef idx="minor">
+            <a:schemeClr val="tx1"/>
+          </a:fontRef>
+        </p:style>
+      </p:cxnSp>
+    </p:spTree>
+    <p:extLst>
+      <p:ext uri="{BB962C8B-B14F-4D97-AF65-F5344CB8AC3E}">
+        <p14:creationId xmlns:p14="http://schemas.microsoft.com/office/powerpoint/2010/main" val="1198737540"/>
+      </p:ext>
+    </p:extLst>
+  </p:cSld>
+  <p:clrMapOvr>
+    <a:masterClrMapping/>
+  </p:clrMapOvr>
+</p:sld>
+</file>
+
+<file path=ppt/slides/slide6.xml><?xml version="1.0" encoding="utf-8"?>
+<p:sld xmlns:a="http://schemas.openxmlformats.org/drawingml/2006/main" xmlns:r="http://schemas.openxmlformats.org/officeDocument/2006/relationships" xmlns:p="http://schemas.openxmlformats.org/presentationml/2006/main">
+  <p:cSld>
+    <p:spTree>
+      <p:nvGrpSpPr>
+        <p:cNvPr id="1" name=""/>
+        <p:cNvGrpSpPr/>
+        <p:nvPr/>
+      </p:nvGrpSpPr>
+      <p:grpSpPr>
+        <a:xfrm>
+          <a:off x="0" y="0"/>
+          <a:ext cx="0" cy="0"/>
+          <a:chOff x="0" y="0"/>
+          <a:chExt cx="0" cy="0"/>
+        </a:xfrm>
+      </p:grpSpPr>
+      <p:sp>
+        <p:nvSpPr>
+          <p:cNvPr id="2" name="Title 1"/>
+          <p:cNvSpPr>
+            <a:spLocks noGrp="1"/>
+          </p:cNvSpPr>
+          <p:nvPr>
+            <p:ph type="title"/>
+          </p:nvPr>
+        </p:nvSpPr>
+        <p:spPr>
+          <a:xfrm>
+            <a:off x="812997" y="2973273"/>
+            <a:ext cx="3501197" cy="1223298"/>
+          </a:xfrm>
+        </p:spPr>
+        <p:txBody>
+          <a:bodyPr/>
+          <a:lstStyle/>
+          <a:p>
+            <a:r>
+              <a:rPr lang="en-US" dirty="0" smtClean="0"/>
+              <a:t>First Neural Network </a:t>
+            </a:r>
+            <a:br>
+              <a:rPr lang="en-US" dirty="0" smtClean="0"/>
+            </a:br>
+            <a:r>
+              <a:rPr lang="en-US" dirty="0" smtClean="0"/>
+              <a:t>Dense/Fully Connected</a:t>
+            </a:r>
+            <a:br>
+              <a:rPr lang="en-US" dirty="0" smtClean="0"/>
+            </a:br>
+            <a:r>
+              <a:rPr lang="en-US" dirty="0" smtClean="0"/>
+              <a:t>Architecture</a:t>
+            </a:r>
+            <a:endParaRPr lang="en-US" dirty="0"/>
+          </a:p>
+        </p:txBody>
+      </p:sp>
+      <p:grpSp>
+        <p:nvGrpSpPr>
+          <p:cNvPr id="94" name="Group 93"/>
+          <p:cNvGrpSpPr/>
+          <p:nvPr/>
+        </p:nvGrpSpPr>
+        <p:grpSpPr>
+          <a:xfrm>
+            <a:off x="5167223" y="431321"/>
+            <a:ext cx="5149970" cy="4054415"/>
+            <a:chOff x="5167222" y="431321"/>
+            <a:chExt cx="6788989" cy="6291786"/>
+          </a:xfrm>
+        </p:grpSpPr>
+        <p:sp>
+          <p:nvSpPr>
+            <p:cNvPr id="44" name="Rectangle 43"/>
+            <p:cNvSpPr/>
+            <p:nvPr/>
+          </p:nvSpPr>
+          <p:spPr>
+            <a:xfrm>
+              <a:off x="5167222" y="1173193"/>
+              <a:ext cx="1052423" cy="776378"/>
+            </a:xfrm>
+            <a:prstGeom prst="rect">
+              <a:avLst/>
+            </a:prstGeom>
+          </p:spPr>
+          <p:style>
+            <a:lnRef idx="2">
+              <a:schemeClr val="accent1">
+                <a:shade val="50000"/>
+              </a:schemeClr>
+            </a:lnRef>
+            <a:fillRef idx="1">
+              <a:schemeClr val="accent1"/>
+            </a:fillRef>
+            <a:effectRef idx="0">
+              <a:schemeClr val="accent1"/>
+            </a:effectRef>
+            <a:fontRef idx="minor">
+              <a:schemeClr val="lt1"/>
+            </a:fontRef>
+          </p:style>
+          <p:txBody>
+            <a:bodyPr rtlCol="0" anchor="ctr"/>
+            <a:lstStyle/>
+            <a:p>
+              <a:pPr algn="ctr"/>
+              <a:endParaRPr lang="en-US"/>
+            </a:p>
+          </p:txBody>
+        </p:sp>
+        <p:sp>
+          <p:nvSpPr>
+            <p:cNvPr id="45" name="Rectangle 44"/>
+            <p:cNvSpPr/>
+            <p:nvPr/>
+          </p:nvSpPr>
+          <p:spPr>
+            <a:xfrm>
+              <a:off x="5167222" y="1325593"/>
+              <a:ext cx="1052423" cy="776378"/>
+            </a:xfrm>
+            <a:prstGeom prst="rect">
+              <a:avLst/>
+            </a:prstGeom>
+          </p:spPr>
+          <p:style>
+            <a:lnRef idx="2">
+              <a:schemeClr val="accent4">
+                <a:shade val="50000"/>
+              </a:schemeClr>
+            </a:lnRef>
+            <a:fillRef idx="1">
+              <a:schemeClr val="accent4"/>
+            </a:fillRef>
+            <a:effectRef idx="0">
+              <a:schemeClr val="accent4"/>
+            </a:effectRef>
+            <a:fontRef idx="minor">
+              <a:schemeClr val="lt1"/>
+            </a:fontRef>
+          </p:style>
+          <p:txBody>
+            <a:bodyPr rtlCol="0" anchor="ctr"/>
+            <a:lstStyle/>
+            <a:p>
+              <a:pPr algn="ctr"/>
+              <a:endParaRPr lang="en-US"/>
+            </a:p>
+          </p:txBody>
+        </p:sp>
+        <p:sp>
+          <p:nvSpPr>
+            <p:cNvPr id="46" name="Rectangle 45"/>
+            <p:cNvSpPr/>
+            <p:nvPr/>
+          </p:nvSpPr>
+          <p:spPr>
+            <a:xfrm>
+              <a:off x="5167222" y="1539816"/>
+              <a:ext cx="1052423" cy="776378"/>
+            </a:xfrm>
+            <a:prstGeom prst="rect">
+              <a:avLst/>
+            </a:prstGeom>
+          </p:spPr>
+          <p:style>
+            <a:lnRef idx="2">
+              <a:schemeClr val="accent6">
+                <a:shade val="50000"/>
+              </a:schemeClr>
+            </a:lnRef>
+            <a:fillRef idx="1">
+              <a:schemeClr val="accent6"/>
+            </a:fillRef>
+            <a:effectRef idx="0">
+              <a:schemeClr val="accent6"/>
+            </a:effectRef>
+            <a:fontRef idx="minor">
+              <a:schemeClr val="lt1"/>
+            </a:fontRef>
+          </p:style>
+          <p:txBody>
+            <a:bodyPr rtlCol="0" anchor="ctr"/>
+            <a:lstStyle/>
+            <a:p>
+              <a:pPr algn="ctr"/>
+              <a:endParaRPr lang="en-US"/>
+            </a:p>
+          </p:txBody>
+        </p:sp>
+        <p:sp>
+          <p:nvSpPr>
+            <p:cNvPr id="47" name="Rectangle 46"/>
+            <p:cNvSpPr/>
+            <p:nvPr/>
+          </p:nvSpPr>
+          <p:spPr>
+            <a:xfrm>
+              <a:off x="5167222" y="1667775"/>
+              <a:ext cx="1052423" cy="776378"/>
+            </a:xfrm>
+            <a:prstGeom prst="rect">
+              <a:avLst/>
+            </a:prstGeom>
+          </p:spPr>
+          <p:style>
+            <a:lnRef idx="2">
+              <a:schemeClr val="accent1">
+                <a:shade val="50000"/>
+              </a:schemeClr>
+            </a:lnRef>
+            <a:fillRef idx="1">
+              <a:schemeClr val="accent1"/>
+            </a:fillRef>
+            <a:effectRef idx="0">
+              <a:schemeClr val="accent1"/>
+            </a:effectRef>
+            <a:fontRef idx="minor">
+              <a:schemeClr val="lt1"/>
+            </a:fontRef>
+          </p:style>
+          <p:txBody>
+            <a:bodyPr rtlCol="0" anchor="ctr"/>
+            <a:lstStyle/>
+            <a:p>
+              <a:pPr algn="ctr"/>
+              <a:endParaRPr lang="en-US"/>
+            </a:p>
+          </p:txBody>
+        </p:sp>
+        <p:sp>
+          <p:nvSpPr>
+            <p:cNvPr id="48" name="Rectangle 47"/>
+            <p:cNvSpPr/>
+            <p:nvPr/>
+          </p:nvSpPr>
+          <p:spPr>
+            <a:xfrm>
+              <a:off x="5167222" y="1820175"/>
+              <a:ext cx="1052423" cy="776378"/>
+            </a:xfrm>
+            <a:prstGeom prst="rect">
+              <a:avLst/>
+            </a:prstGeom>
+          </p:spPr>
+          <p:style>
+            <a:lnRef idx="2">
+              <a:schemeClr val="accent4">
+                <a:shade val="50000"/>
+              </a:schemeClr>
+            </a:lnRef>
+            <a:fillRef idx="1">
+              <a:schemeClr val="accent4"/>
+            </a:fillRef>
+            <a:effectRef idx="0">
+              <a:schemeClr val="accent4"/>
+            </a:effectRef>
+            <a:fontRef idx="minor">
+              <a:schemeClr val="lt1"/>
+            </a:fontRef>
+          </p:style>
+          <p:txBody>
+            <a:bodyPr rtlCol="0" anchor="ctr"/>
+            <a:lstStyle/>
+            <a:p>
+              <a:pPr algn="ctr"/>
+              <a:endParaRPr lang="en-US"/>
+            </a:p>
+          </p:txBody>
+        </p:sp>
+        <p:sp>
+          <p:nvSpPr>
+            <p:cNvPr id="49" name="Rectangle 48"/>
+            <p:cNvSpPr/>
+            <p:nvPr/>
+          </p:nvSpPr>
+          <p:spPr>
+            <a:xfrm>
+              <a:off x="5167222" y="2034398"/>
+              <a:ext cx="1052423" cy="776378"/>
+            </a:xfrm>
+            <a:prstGeom prst="rect">
+              <a:avLst/>
+            </a:prstGeom>
+          </p:spPr>
+          <p:style>
+            <a:lnRef idx="2">
+              <a:schemeClr val="accent6">
+                <a:shade val="50000"/>
+              </a:schemeClr>
+            </a:lnRef>
+            <a:fillRef idx="1">
+              <a:schemeClr val="accent6"/>
+            </a:fillRef>
+            <a:effectRef idx="0">
+              <a:schemeClr val="accent6"/>
+            </a:effectRef>
+            <a:fontRef idx="minor">
+              <a:schemeClr val="lt1"/>
+            </a:fontRef>
+          </p:style>
+          <p:txBody>
+            <a:bodyPr rtlCol="0" anchor="ctr"/>
+            <a:lstStyle/>
+            <a:p>
+              <a:pPr algn="ctr"/>
+              <a:endParaRPr lang="en-US"/>
+            </a:p>
+          </p:txBody>
+        </p:sp>
+        <p:sp>
+          <p:nvSpPr>
+            <p:cNvPr id="50" name="TextBox 49"/>
+            <p:cNvSpPr txBox="1"/>
+            <p:nvPr/>
+          </p:nvSpPr>
+          <p:spPr>
+            <a:xfrm>
+              <a:off x="5443268" y="3088257"/>
+              <a:ext cx="309700" cy="369332"/>
+            </a:xfrm>
+            <a:prstGeom prst="rect">
+              <a:avLst/>
+            </a:prstGeom>
+            <a:noFill/>
+          </p:spPr>
+          <p:txBody>
+            <a:bodyPr wrap="none" rtlCol="0">
+              <a:spAutoFit/>
+            </a:bodyPr>
+            <a:lstStyle/>
+            <a:p>
+              <a:r>
+                <a:rPr lang="en-US" dirty="0" smtClean="0"/>
+                <a:t>8</a:t>
+              </a:r>
+              <a:endParaRPr lang="en-US" dirty="0"/>
+            </a:p>
+          </p:txBody>
+        </p:sp>
+        <p:sp>
+          <p:nvSpPr>
+            <p:cNvPr id="51" name="Rectangle 50"/>
+            <p:cNvSpPr/>
+            <p:nvPr/>
+          </p:nvSpPr>
+          <p:spPr>
+            <a:xfrm>
+              <a:off x="6539842" y="1173193"/>
+              <a:ext cx="1052423" cy="776378"/>
+            </a:xfrm>
+            <a:prstGeom prst="rect">
+              <a:avLst/>
+            </a:prstGeom>
+          </p:spPr>
+          <p:style>
+            <a:lnRef idx="2">
+              <a:schemeClr val="accent1">
+                <a:shade val="50000"/>
+              </a:schemeClr>
+            </a:lnRef>
+            <a:fillRef idx="1">
+              <a:schemeClr val="accent1"/>
+            </a:fillRef>
+            <a:effectRef idx="0">
+              <a:schemeClr val="accent1"/>
+            </a:effectRef>
+            <a:fontRef idx="minor">
+              <a:schemeClr val="lt1"/>
+            </a:fontRef>
+          </p:style>
+          <p:txBody>
+            <a:bodyPr rtlCol="0" anchor="ctr"/>
+            <a:lstStyle/>
+            <a:p>
+              <a:pPr algn="ctr"/>
+              <a:endParaRPr lang="en-US"/>
+            </a:p>
+          </p:txBody>
+        </p:sp>
+        <p:sp>
+          <p:nvSpPr>
+            <p:cNvPr id="52" name="Rectangle 51"/>
+            <p:cNvSpPr/>
+            <p:nvPr/>
+          </p:nvSpPr>
+          <p:spPr>
+            <a:xfrm>
+              <a:off x="6539842" y="1325593"/>
+              <a:ext cx="1052423" cy="776378"/>
+            </a:xfrm>
+            <a:prstGeom prst="rect">
+              <a:avLst/>
+            </a:prstGeom>
+          </p:spPr>
+          <p:style>
+            <a:lnRef idx="2">
+              <a:schemeClr val="accent4">
+                <a:shade val="50000"/>
+              </a:schemeClr>
+            </a:lnRef>
+            <a:fillRef idx="1">
+              <a:schemeClr val="accent4"/>
+            </a:fillRef>
+            <a:effectRef idx="0">
+              <a:schemeClr val="accent4"/>
+            </a:effectRef>
+            <a:fontRef idx="minor">
+              <a:schemeClr val="lt1"/>
+            </a:fontRef>
+          </p:style>
+          <p:txBody>
+            <a:bodyPr rtlCol="0" anchor="ctr"/>
+            <a:lstStyle/>
+            <a:p>
+              <a:pPr algn="ctr"/>
+              <a:endParaRPr lang="en-US"/>
+            </a:p>
+          </p:txBody>
+        </p:sp>
+        <p:sp>
+          <p:nvSpPr>
+            <p:cNvPr id="53" name="Rectangle 52"/>
+            <p:cNvSpPr/>
+            <p:nvPr/>
+          </p:nvSpPr>
+          <p:spPr>
+            <a:xfrm>
+              <a:off x="6539842" y="1539816"/>
+              <a:ext cx="1052423" cy="776378"/>
+            </a:xfrm>
+            <a:prstGeom prst="rect">
+              <a:avLst/>
+            </a:prstGeom>
+          </p:spPr>
+          <p:style>
+            <a:lnRef idx="2">
+              <a:schemeClr val="accent6">
+                <a:shade val="50000"/>
+              </a:schemeClr>
+            </a:lnRef>
+            <a:fillRef idx="1">
+              <a:schemeClr val="accent6"/>
+            </a:fillRef>
+            <a:effectRef idx="0">
+              <a:schemeClr val="accent6"/>
+            </a:effectRef>
+            <a:fontRef idx="minor">
+              <a:schemeClr val="lt1"/>
+            </a:fontRef>
+          </p:style>
+          <p:txBody>
+            <a:bodyPr rtlCol="0" anchor="ctr"/>
+            <a:lstStyle/>
+            <a:p>
+              <a:pPr algn="ctr"/>
+              <a:endParaRPr lang="en-US"/>
+            </a:p>
+          </p:txBody>
+        </p:sp>
+        <p:sp>
+          <p:nvSpPr>
+            <p:cNvPr id="54" name="Rectangle 53"/>
+            <p:cNvSpPr/>
+            <p:nvPr/>
+          </p:nvSpPr>
+          <p:spPr>
+            <a:xfrm>
+              <a:off x="6539842" y="1667775"/>
+              <a:ext cx="1052423" cy="776378"/>
+            </a:xfrm>
+            <a:prstGeom prst="rect">
+              <a:avLst/>
+            </a:prstGeom>
+          </p:spPr>
+          <p:style>
+            <a:lnRef idx="2">
+              <a:schemeClr val="accent1">
+                <a:shade val="50000"/>
+              </a:schemeClr>
+            </a:lnRef>
+            <a:fillRef idx="1">
+              <a:schemeClr val="accent1"/>
+            </a:fillRef>
+            <a:effectRef idx="0">
+              <a:schemeClr val="accent1"/>
+            </a:effectRef>
+            <a:fontRef idx="minor">
+              <a:schemeClr val="lt1"/>
+            </a:fontRef>
+          </p:style>
+          <p:txBody>
+            <a:bodyPr rtlCol="0" anchor="ctr"/>
+            <a:lstStyle/>
+            <a:p>
+              <a:pPr algn="ctr"/>
+              <a:endParaRPr lang="en-US"/>
+            </a:p>
+          </p:txBody>
+        </p:sp>
+        <p:sp>
+          <p:nvSpPr>
+            <p:cNvPr id="55" name="Rectangle 54"/>
+            <p:cNvSpPr/>
+            <p:nvPr/>
+          </p:nvSpPr>
+          <p:spPr>
+            <a:xfrm>
+              <a:off x="6539842" y="1820175"/>
+              <a:ext cx="1052423" cy="776378"/>
+            </a:xfrm>
+            <a:prstGeom prst="rect">
+              <a:avLst/>
+            </a:prstGeom>
+          </p:spPr>
+          <p:style>
+            <a:lnRef idx="2">
+              <a:schemeClr val="accent4">
+                <a:shade val="50000"/>
+              </a:schemeClr>
+            </a:lnRef>
+            <a:fillRef idx="1">
+              <a:schemeClr val="accent4"/>
+            </a:fillRef>
+            <a:effectRef idx="0">
+              <a:schemeClr val="accent4"/>
+            </a:effectRef>
+            <a:fontRef idx="minor">
+              <a:schemeClr val="lt1"/>
+            </a:fontRef>
+          </p:style>
+          <p:txBody>
+            <a:bodyPr rtlCol="0" anchor="ctr"/>
+            <a:lstStyle/>
+            <a:p>
+              <a:pPr algn="ctr"/>
+              <a:endParaRPr lang="en-US"/>
+            </a:p>
+          </p:txBody>
+        </p:sp>
+        <p:sp>
+          <p:nvSpPr>
+            <p:cNvPr id="56" name="Rectangle 55"/>
+            <p:cNvSpPr/>
+            <p:nvPr/>
+          </p:nvSpPr>
+          <p:spPr>
+            <a:xfrm>
+              <a:off x="6539842" y="2034398"/>
+              <a:ext cx="1052423" cy="776378"/>
+            </a:xfrm>
+            <a:prstGeom prst="rect">
+              <a:avLst/>
+            </a:prstGeom>
+          </p:spPr>
+          <p:style>
+            <a:lnRef idx="2">
+              <a:schemeClr val="accent6">
+                <a:shade val="50000"/>
+              </a:schemeClr>
+            </a:lnRef>
+            <a:fillRef idx="1">
+              <a:schemeClr val="accent6"/>
+            </a:fillRef>
+            <a:effectRef idx="0">
+              <a:schemeClr val="accent6"/>
+            </a:effectRef>
+            <a:fontRef idx="minor">
+              <a:schemeClr val="lt1"/>
+            </a:fontRef>
+          </p:style>
+          <p:txBody>
+            <a:bodyPr rtlCol="0" anchor="ctr"/>
+            <a:lstStyle/>
+            <a:p>
+              <a:pPr algn="ctr"/>
+              <a:endParaRPr lang="en-US"/>
+            </a:p>
+          </p:txBody>
+        </p:sp>
+        <p:sp>
+          <p:nvSpPr>
+            <p:cNvPr id="57" name="TextBox 56"/>
+            <p:cNvSpPr txBox="1"/>
+            <p:nvPr/>
+          </p:nvSpPr>
+          <p:spPr>
+            <a:xfrm>
+              <a:off x="6875423" y="3112533"/>
+              <a:ext cx="434734" cy="369332"/>
+            </a:xfrm>
+            <a:prstGeom prst="rect">
+              <a:avLst/>
+            </a:prstGeom>
+            <a:noFill/>
+          </p:spPr>
+          <p:txBody>
+            <a:bodyPr wrap="none" rtlCol="0">
+              <a:spAutoFit/>
+            </a:bodyPr>
+            <a:lstStyle/>
+            <a:p>
+              <a:r>
+                <a:rPr lang="en-US" dirty="0" smtClean="0"/>
+                <a:t>12</a:t>
+              </a:r>
+              <a:endParaRPr lang="en-US" dirty="0"/>
+            </a:p>
+          </p:txBody>
+        </p:sp>
+        <p:sp>
+          <p:nvSpPr>
+            <p:cNvPr id="58" name="Rectangle 57"/>
+            <p:cNvSpPr/>
+            <p:nvPr/>
+          </p:nvSpPr>
+          <p:spPr>
+            <a:xfrm>
+              <a:off x="8037963" y="1173193"/>
+              <a:ext cx="1052423" cy="776378"/>
+            </a:xfrm>
+            <a:prstGeom prst="rect">
+              <a:avLst/>
+            </a:prstGeom>
+          </p:spPr>
+          <p:style>
+            <a:lnRef idx="2">
+              <a:schemeClr val="accent1">
+                <a:shade val="50000"/>
+              </a:schemeClr>
+            </a:lnRef>
+            <a:fillRef idx="1">
+              <a:schemeClr val="accent1"/>
+            </a:fillRef>
+            <a:effectRef idx="0">
+              <a:schemeClr val="accent1"/>
+            </a:effectRef>
+            <a:fontRef idx="minor">
+              <a:schemeClr val="lt1"/>
+            </a:fontRef>
+          </p:style>
+          <p:txBody>
+            <a:bodyPr rtlCol="0" anchor="ctr"/>
+            <a:lstStyle/>
+            <a:p>
+              <a:pPr algn="ctr"/>
+              <a:endParaRPr lang="en-US"/>
+            </a:p>
+          </p:txBody>
+        </p:sp>
+        <p:sp>
+          <p:nvSpPr>
+            <p:cNvPr id="59" name="Rectangle 58"/>
+            <p:cNvSpPr/>
+            <p:nvPr/>
+          </p:nvSpPr>
+          <p:spPr>
+            <a:xfrm>
+              <a:off x="8037963" y="1325593"/>
+              <a:ext cx="1052423" cy="776378"/>
+            </a:xfrm>
+            <a:prstGeom prst="rect">
+              <a:avLst/>
+            </a:prstGeom>
+          </p:spPr>
+          <p:style>
+            <a:lnRef idx="2">
+              <a:schemeClr val="accent4">
+                <a:shade val="50000"/>
+              </a:schemeClr>
+            </a:lnRef>
+            <a:fillRef idx="1">
+              <a:schemeClr val="accent4"/>
+            </a:fillRef>
+            <a:effectRef idx="0">
+              <a:schemeClr val="accent4"/>
+            </a:effectRef>
+            <a:fontRef idx="minor">
+              <a:schemeClr val="lt1"/>
+            </a:fontRef>
+          </p:style>
+          <p:txBody>
+            <a:bodyPr rtlCol="0" anchor="ctr"/>
+            <a:lstStyle/>
+            <a:p>
+              <a:pPr algn="ctr"/>
+              <a:endParaRPr lang="en-US"/>
+            </a:p>
+          </p:txBody>
+        </p:sp>
+        <p:sp>
+          <p:nvSpPr>
+            <p:cNvPr id="60" name="Rectangle 59"/>
+            <p:cNvSpPr/>
+            <p:nvPr/>
+          </p:nvSpPr>
+          <p:spPr>
+            <a:xfrm>
+              <a:off x="8037963" y="1539816"/>
+              <a:ext cx="1052423" cy="776378"/>
+            </a:xfrm>
+            <a:prstGeom prst="rect">
+              <a:avLst/>
+            </a:prstGeom>
+          </p:spPr>
+          <p:style>
+            <a:lnRef idx="2">
+              <a:schemeClr val="accent6">
+                <a:shade val="50000"/>
+              </a:schemeClr>
+            </a:lnRef>
+            <a:fillRef idx="1">
+              <a:schemeClr val="accent6"/>
+            </a:fillRef>
+            <a:effectRef idx="0">
+              <a:schemeClr val="accent6"/>
+            </a:effectRef>
+            <a:fontRef idx="minor">
+              <a:schemeClr val="lt1"/>
+            </a:fontRef>
+          </p:style>
+          <p:txBody>
+            <a:bodyPr rtlCol="0" anchor="ctr"/>
+            <a:lstStyle/>
+            <a:p>
+              <a:pPr algn="ctr"/>
+              <a:endParaRPr lang="en-US"/>
+            </a:p>
+          </p:txBody>
+        </p:sp>
+        <p:sp>
+          <p:nvSpPr>
+            <p:cNvPr id="61" name="Rectangle 60"/>
+            <p:cNvSpPr/>
+            <p:nvPr/>
+          </p:nvSpPr>
+          <p:spPr>
+            <a:xfrm>
+              <a:off x="8037963" y="1667775"/>
+              <a:ext cx="1052423" cy="776378"/>
+            </a:xfrm>
+            <a:prstGeom prst="rect">
+              <a:avLst/>
+            </a:prstGeom>
+          </p:spPr>
+          <p:style>
+            <a:lnRef idx="2">
+              <a:schemeClr val="accent1">
+                <a:shade val="50000"/>
+              </a:schemeClr>
+            </a:lnRef>
+            <a:fillRef idx="1">
+              <a:schemeClr val="accent1"/>
+            </a:fillRef>
+            <a:effectRef idx="0">
+              <a:schemeClr val="accent1"/>
+            </a:effectRef>
+            <a:fontRef idx="minor">
+              <a:schemeClr val="lt1"/>
+            </a:fontRef>
+          </p:style>
+          <p:txBody>
+            <a:bodyPr rtlCol="0" anchor="ctr"/>
+            <a:lstStyle/>
+            <a:p>
+              <a:pPr algn="ctr"/>
+              <a:endParaRPr lang="en-US"/>
+            </a:p>
+          </p:txBody>
+        </p:sp>
+        <p:sp>
+          <p:nvSpPr>
+            <p:cNvPr id="62" name="Rectangle 61"/>
+            <p:cNvSpPr/>
+            <p:nvPr/>
+          </p:nvSpPr>
+          <p:spPr>
+            <a:xfrm>
+              <a:off x="8037963" y="1820175"/>
+              <a:ext cx="1052423" cy="776378"/>
+            </a:xfrm>
+            <a:prstGeom prst="rect">
+              <a:avLst/>
+            </a:prstGeom>
+          </p:spPr>
+          <p:style>
+            <a:lnRef idx="2">
+              <a:schemeClr val="accent4">
+                <a:shade val="50000"/>
+              </a:schemeClr>
+            </a:lnRef>
+            <a:fillRef idx="1">
+              <a:schemeClr val="accent4"/>
+            </a:fillRef>
+            <a:effectRef idx="0">
+              <a:schemeClr val="accent4"/>
+            </a:effectRef>
+            <a:fontRef idx="minor">
+              <a:schemeClr val="lt1"/>
+            </a:fontRef>
+          </p:style>
+          <p:txBody>
+            <a:bodyPr rtlCol="0" anchor="ctr"/>
+            <a:lstStyle/>
+            <a:p>
+              <a:pPr algn="ctr"/>
+              <a:endParaRPr lang="en-US"/>
+            </a:p>
+          </p:txBody>
+        </p:sp>
+        <p:sp>
+          <p:nvSpPr>
+            <p:cNvPr id="63" name="Rectangle 62"/>
+            <p:cNvSpPr/>
+            <p:nvPr/>
+          </p:nvSpPr>
+          <p:spPr>
+            <a:xfrm>
+              <a:off x="8037963" y="2034398"/>
+              <a:ext cx="1052423" cy="776378"/>
+            </a:xfrm>
+            <a:prstGeom prst="rect">
+              <a:avLst/>
+            </a:prstGeom>
+          </p:spPr>
+          <p:style>
+            <a:lnRef idx="2">
+              <a:schemeClr val="accent6">
+                <a:shade val="50000"/>
+              </a:schemeClr>
+            </a:lnRef>
+            <a:fillRef idx="1">
+              <a:schemeClr val="accent6"/>
+            </a:fillRef>
+            <a:effectRef idx="0">
+              <a:schemeClr val="accent6"/>
+            </a:effectRef>
+            <a:fontRef idx="minor">
+              <a:schemeClr val="lt1"/>
+            </a:fontRef>
+          </p:style>
+          <p:txBody>
+            <a:bodyPr rtlCol="0" anchor="ctr"/>
+            <a:lstStyle/>
+            <a:p>
+              <a:pPr algn="ctr"/>
+              <a:endParaRPr lang="en-US"/>
+            </a:p>
+          </p:txBody>
+        </p:sp>
+        <p:sp>
+          <p:nvSpPr>
+            <p:cNvPr id="64" name="TextBox 63"/>
+            <p:cNvSpPr txBox="1"/>
+            <p:nvPr/>
+          </p:nvSpPr>
+          <p:spPr>
+            <a:xfrm>
+              <a:off x="8373544" y="3112533"/>
+              <a:ext cx="434734" cy="369332"/>
+            </a:xfrm>
+            <a:prstGeom prst="rect">
+              <a:avLst/>
+            </a:prstGeom>
+            <a:noFill/>
+          </p:spPr>
+          <p:txBody>
+            <a:bodyPr wrap="none" rtlCol="0">
+              <a:spAutoFit/>
+            </a:bodyPr>
+            <a:lstStyle/>
+            <a:p>
+              <a:r>
+                <a:rPr lang="en-US" dirty="0" smtClean="0"/>
+                <a:t>16</a:t>
+              </a:r>
+              <a:endParaRPr lang="en-US" dirty="0"/>
+            </a:p>
+          </p:txBody>
+        </p:sp>
+        <p:sp>
+          <p:nvSpPr>
+            <p:cNvPr id="65" name="Rectangle 64"/>
+            <p:cNvSpPr/>
+            <p:nvPr/>
+          </p:nvSpPr>
+          <p:spPr>
+            <a:xfrm>
+              <a:off x="9536084" y="1173193"/>
+              <a:ext cx="1052423" cy="776378"/>
+            </a:xfrm>
+            <a:prstGeom prst="rect">
+              <a:avLst/>
+            </a:prstGeom>
+          </p:spPr>
+          <p:style>
+            <a:lnRef idx="2">
+              <a:schemeClr val="accent1">
+                <a:shade val="50000"/>
+              </a:schemeClr>
+            </a:lnRef>
+            <a:fillRef idx="1">
+              <a:schemeClr val="accent1"/>
+            </a:fillRef>
+            <a:effectRef idx="0">
+              <a:schemeClr val="accent1"/>
+            </a:effectRef>
+            <a:fontRef idx="minor">
+              <a:schemeClr val="lt1"/>
+            </a:fontRef>
+          </p:style>
+          <p:txBody>
+            <a:bodyPr rtlCol="0" anchor="ctr"/>
+            <a:lstStyle/>
+            <a:p>
+              <a:pPr algn="ctr"/>
+              <a:endParaRPr lang="en-US"/>
+            </a:p>
+          </p:txBody>
+        </p:sp>
+        <p:sp>
+          <p:nvSpPr>
+            <p:cNvPr id="66" name="Rectangle 65"/>
+            <p:cNvSpPr/>
+            <p:nvPr/>
+          </p:nvSpPr>
+          <p:spPr>
+            <a:xfrm>
+              <a:off x="9536084" y="1325593"/>
+              <a:ext cx="1052423" cy="776378"/>
+            </a:xfrm>
+            <a:prstGeom prst="rect">
+              <a:avLst/>
+            </a:prstGeom>
+          </p:spPr>
+          <p:style>
+            <a:lnRef idx="2">
+              <a:schemeClr val="accent4">
+                <a:shade val="50000"/>
+              </a:schemeClr>
+            </a:lnRef>
+            <a:fillRef idx="1">
+              <a:schemeClr val="accent4"/>
+            </a:fillRef>
+            <a:effectRef idx="0">
+              <a:schemeClr val="accent4"/>
+            </a:effectRef>
+            <a:fontRef idx="minor">
+              <a:schemeClr val="lt1"/>
+            </a:fontRef>
+          </p:style>
+          <p:txBody>
+            <a:bodyPr rtlCol="0" anchor="ctr"/>
+            <a:lstStyle/>
+            <a:p>
+              <a:pPr algn="ctr"/>
+              <a:endParaRPr lang="en-US"/>
+            </a:p>
+          </p:txBody>
+        </p:sp>
+        <p:sp>
+          <p:nvSpPr>
+            <p:cNvPr id="67" name="Rectangle 66"/>
+            <p:cNvSpPr/>
+            <p:nvPr/>
+          </p:nvSpPr>
+          <p:spPr>
+            <a:xfrm>
+              <a:off x="9536084" y="1539816"/>
+              <a:ext cx="1052423" cy="776378"/>
+            </a:xfrm>
+            <a:prstGeom prst="rect">
+              <a:avLst/>
+            </a:prstGeom>
+          </p:spPr>
+          <p:style>
+            <a:lnRef idx="2">
+              <a:schemeClr val="accent6">
+                <a:shade val="50000"/>
+              </a:schemeClr>
+            </a:lnRef>
+            <a:fillRef idx="1">
+              <a:schemeClr val="accent6"/>
+            </a:fillRef>
+            <a:effectRef idx="0">
+              <a:schemeClr val="accent6"/>
+            </a:effectRef>
+            <a:fontRef idx="minor">
+              <a:schemeClr val="lt1"/>
+            </a:fontRef>
+          </p:style>
+          <p:txBody>
+            <a:bodyPr rtlCol="0" anchor="ctr"/>
+            <a:lstStyle/>
+            <a:p>
+              <a:pPr algn="ctr"/>
+              <a:endParaRPr lang="en-US"/>
+            </a:p>
+          </p:txBody>
+        </p:sp>
+        <p:sp>
+          <p:nvSpPr>
+            <p:cNvPr id="68" name="Rectangle 67"/>
+            <p:cNvSpPr/>
+            <p:nvPr/>
+          </p:nvSpPr>
+          <p:spPr>
+            <a:xfrm>
+              <a:off x="9536084" y="1667775"/>
+              <a:ext cx="1052423" cy="776378"/>
+            </a:xfrm>
+            <a:prstGeom prst="rect">
+              <a:avLst/>
+            </a:prstGeom>
+          </p:spPr>
+          <p:style>
+            <a:lnRef idx="2">
+              <a:schemeClr val="accent1">
+                <a:shade val="50000"/>
+              </a:schemeClr>
+            </a:lnRef>
+            <a:fillRef idx="1">
+              <a:schemeClr val="accent1"/>
+            </a:fillRef>
+            <a:effectRef idx="0">
+              <a:schemeClr val="accent1"/>
+            </a:effectRef>
+            <a:fontRef idx="minor">
+              <a:schemeClr val="lt1"/>
+            </a:fontRef>
+          </p:style>
+          <p:txBody>
+            <a:bodyPr rtlCol="0" anchor="ctr"/>
+            <a:lstStyle/>
+            <a:p>
+              <a:pPr algn="ctr"/>
+              <a:endParaRPr lang="en-US"/>
+            </a:p>
+          </p:txBody>
+        </p:sp>
+        <p:sp>
+          <p:nvSpPr>
+            <p:cNvPr id="69" name="Rectangle 68"/>
+            <p:cNvSpPr/>
+            <p:nvPr/>
+          </p:nvSpPr>
+          <p:spPr>
+            <a:xfrm>
+              <a:off x="9536084" y="1820175"/>
+              <a:ext cx="1052423" cy="776378"/>
+            </a:xfrm>
+            <a:prstGeom prst="rect">
+              <a:avLst/>
+            </a:prstGeom>
+          </p:spPr>
+          <p:style>
+            <a:lnRef idx="2">
+              <a:schemeClr val="accent4">
+                <a:shade val="50000"/>
+              </a:schemeClr>
+            </a:lnRef>
+            <a:fillRef idx="1">
+              <a:schemeClr val="accent4"/>
+            </a:fillRef>
+            <a:effectRef idx="0">
+              <a:schemeClr val="accent4"/>
+            </a:effectRef>
+            <a:fontRef idx="minor">
+              <a:schemeClr val="lt1"/>
+            </a:fontRef>
+          </p:style>
+          <p:txBody>
+            <a:bodyPr rtlCol="0" anchor="ctr"/>
+            <a:lstStyle/>
+            <a:p>
+              <a:pPr algn="ctr"/>
+              <a:endParaRPr lang="en-US"/>
+            </a:p>
+          </p:txBody>
+        </p:sp>
+        <p:sp>
+          <p:nvSpPr>
+            <p:cNvPr id="70" name="Rectangle 69"/>
+            <p:cNvSpPr/>
+            <p:nvPr/>
+          </p:nvSpPr>
+          <p:spPr>
+            <a:xfrm>
+              <a:off x="9536084" y="2034398"/>
+              <a:ext cx="1052423" cy="776378"/>
+            </a:xfrm>
+            <a:prstGeom prst="rect">
+              <a:avLst/>
+            </a:prstGeom>
+          </p:spPr>
+          <p:style>
+            <a:lnRef idx="2">
+              <a:schemeClr val="accent6">
+                <a:shade val="50000"/>
+              </a:schemeClr>
+            </a:lnRef>
+            <a:fillRef idx="1">
+              <a:schemeClr val="accent6"/>
+            </a:fillRef>
+            <a:effectRef idx="0">
+              <a:schemeClr val="accent6"/>
+            </a:effectRef>
+            <a:fontRef idx="minor">
+              <a:schemeClr val="lt1"/>
+            </a:fontRef>
+          </p:style>
+          <p:txBody>
+            <a:bodyPr rtlCol="0" anchor="ctr"/>
+            <a:lstStyle/>
+            <a:p>
+              <a:pPr algn="ctr"/>
+              <a:endParaRPr lang="en-US"/>
+            </a:p>
+          </p:txBody>
+        </p:sp>
+        <p:sp>
+          <p:nvSpPr>
+            <p:cNvPr id="71" name="TextBox 70"/>
+            <p:cNvSpPr txBox="1"/>
+            <p:nvPr/>
+          </p:nvSpPr>
+          <p:spPr>
+            <a:xfrm>
+              <a:off x="9871665" y="3112533"/>
+              <a:ext cx="434734" cy="369332"/>
+            </a:xfrm>
+            <a:prstGeom prst="rect">
+              <a:avLst/>
+            </a:prstGeom>
+            <a:noFill/>
+          </p:spPr>
+          <p:txBody>
+            <a:bodyPr wrap="none" rtlCol="0">
+              <a:spAutoFit/>
+            </a:bodyPr>
+            <a:lstStyle/>
+            <a:p>
+              <a:r>
+                <a:rPr lang="en-US" dirty="0" smtClean="0"/>
+                <a:t>12</a:t>
+              </a:r>
+              <a:endParaRPr lang="en-US" dirty="0"/>
+            </a:p>
+          </p:txBody>
+        </p:sp>
+        <p:sp>
+          <p:nvSpPr>
+            <p:cNvPr id="72" name="Rectangle 71"/>
+            <p:cNvSpPr/>
+            <p:nvPr/>
+          </p:nvSpPr>
+          <p:spPr>
+            <a:xfrm>
+              <a:off x="9536084" y="3948023"/>
+              <a:ext cx="1052423" cy="776378"/>
+            </a:xfrm>
+            <a:prstGeom prst="rect">
+              <a:avLst/>
+            </a:prstGeom>
+          </p:spPr>
+          <p:style>
+            <a:lnRef idx="2">
+              <a:schemeClr val="accent1">
+                <a:shade val="50000"/>
+              </a:schemeClr>
+            </a:lnRef>
+            <a:fillRef idx="1">
+              <a:schemeClr val="accent1"/>
+            </a:fillRef>
+            <a:effectRef idx="0">
+              <a:schemeClr val="accent1"/>
+            </a:effectRef>
+            <a:fontRef idx="minor">
+              <a:schemeClr val="lt1"/>
+            </a:fontRef>
+          </p:style>
+          <p:txBody>
+            <a:bodyPr rtlCol="0" anchor="ctr"/>
+            <a:lstStyle/>
+            <a:p>
+              <a:pPr algn="ctr"/>
+              <a:endParaRPr lang="en-US"/>
+            </a:p>
+          </p:txBody>
+        </p:sp>
+        <p:sp>
+          <p:nvSpPr>
+            <p:cNvPr id="73" name="Rectangle 72"/>
+            <p:cNvSpPr/>
+            <p:nvPr/>
+          </p:nvSpPr>
+          <p:spPr>
+            <a:xfrm>
+              <a:off x="9536084" y="4100423"/>
+              <a:ext cx="1052423" cy="776378"/>
+            </a:xfrm>
+            <a:prstGeom prst="rect">
+              <a:avLst/>
+            </a:prstGeom>
+          </p:spPr>
+          <p:style>
+            <a:lnRef idx="2">
+              <a:schemeClr val="accent4">
+                <a:shade val="50000"/>
+              </a:schemeClr>
+            </a:lnRef>
+            <a:fillRef idx="1">
+              <a:schemeClr val="accent4"/>
+            </a:fillRef>
+            <a:effectRef idx="0">
+              <a:schemeClr val="accent4"/>
+            </a:effectRef>
+            <a:fontRef idx="minor">
+              <a:schemeClr val="lt1"/>
+            </a:fontRef>
+          </p:style>
+          <p:txBody>
+            <a:bodyPr rtlCol="0" anchor="ctr"/>
+            <a:lstStyle/>
+            <a:p>
+              <a:pPr algn="ctr"/>
+              <a:endParaRPr lang="en-US"/>
+            </a:p>
+          </p:txBody>
+        </p:sp>
+        <p:sp>
+          <p:nvSpPr>
+            <p:cNvPr id="74" name="Rectangle 73"/>
+            <p:cNvSpPr/>
+            <p:nvPr/>
+          </p:nvSpPr>
+          <p:spPr>
+            <a:xfrm>
+              <a:off x="9536084" y="4314646"/>
+              <a:ext cx="1052423" cy="776378"/>
+            </a:xfrm>
+            <a:prstGeom prst="rect">
+              <a:avLst/>
+            </a:prstGeom>
+          </p:spPr>
+          <p:style>
+            <a:lnRef idx="2">
+              <a:schemeClr val="accent6">
+                <a:shade val="50000"/>
+              </a:schemeClr>
+            </a:lnRef>
+            <a:fillRef idx="1">
+              <a:schemeClr val="accent6"/>
+            </a:fillRef>
+            <a:effectRef idx="0">
+              <a:schemeClr val="accent6"/>
+            </a:effectRef>
+            <a:fontRef idx="minor">
+              <a:schemeClr val="lt1"/>
+            </a:fontRef>
+          </p:style>
+          <p:txBody>
+            <a:bodyPr rtlCol="0" anchor="ctr"/>
+            <a:lstStyle/>
+            <a:p>
+              <a:pPr algn="ctr"/>
+              <a:endParaRPr lang="en-US"/>
+            </a:p>
+          </p:txBody>
+        </p:sp>
+        <p:sp>
+          <p:nvSpPr>
+            <p:cNvPr id="75" name="Rectangle 74"/>
+            <p:cNvSpPr/>
+            <p:nvPr/>
+          </p:nvSpPr>
+          <p:spPr>
+            <a:xfrm>
+              <a:off x="9536084" y="4442605"/>
+              <a:ext cx="1052423" cy="776378"/>
+            </a:xfrm>
+            <a:prstGeom prst="rect">
+              <a:avLst/>
+            </a:prstGeom>
+          </p:spPr>
+          <p:style>
+            <a:lnRef idx="2">
+              <a:schemeClr val="accent1">
+                <a:shade val="50000"/>
+              </a:schemeClr>
+            </a:lnRef>
+            <a:fillRef idx="1">
+              <a:schemeClr val="accent1"/>
+            </a:fillRef>
+            <a:effectRef idx="0">
+              <a:schemeClr val="accent1"/>
+            </a:effectRef>
+            <a:fontRef idx="minor">
+              <a:schemeClr val="lt1"/>
+            </a:fontRef>
+          </p:style>
+          <p:txBody>
+            <a:bodyPr rtlCol="0" anchor="ctr"/>
+            <a:lstStyle/>
+            <a:p>
+              <a:pPr algn="ctr"/>
+              <a:endParaRPr lang="en-US"/>
+            </a:p>
+          </p:txBody>
+        </p:sp>
+        <p:sp>
+          <p:nvSpPr>
+            <p:cNvPr id="76" name="Rectangle 75"/>
+            <p:cNvSpPr/>
+            <p:nvPr/>
+          </p:nvSpPr>
+          <p:spPr>
+            <a:xfrm>
+              <a:off x="9536084" y="4595005"/>
+              <a:ext cx="1052423" cy="776378"/>
+            </a:xfrm>
+            <a:prstGeom prst="rect">
+              <a:avLst/>
+            </a:prstGeom>
+          </p:spPr>
+          <p:style>
+            <a:lnRef idx="2">
+              <a:schemeClr val="accent4">
+                <a:shade val="50000"/>
+              </a:schemeClr>
+            </a:lnRef>
+            <a:fillRef idx="1">
+              <a:schemeClr val="accent4"/>
+            </a:fillRef>
+            <a:effectRef idx="0">
+              <a:schemeClr val="accent4"/>
+            </a:effectRef>
+            <a:fontRef idx="minor">
+              <a:schemeClr val="lt1"/>
+            </a:fontRef>
+          </p:style>
+          <p:txBody>
+            <a:bodyPr rtlCol="0" anchor="ctr"/>
+            <a:lstStyle/>
+            <a:p>
+              <a:pPr algn="ctr"/>
+              <a:endParaRPr lang="en-US"/>
+            </a:p>
+          </p:txBody>
+        </p:sp>
+        <p:sp>
+          <p:nvSpPr>
+            <p:cNvPr id="77" name="Rectangle 76"/>
+            <p:cNvSpPr/>
+            <p:nvPr/>
+          </p:nvSpPr>
+          <p:spPr>
+            <a:xfrm>
+              <a:off x="9536084" y="4809228"/>
+              <a:ext cx="1052423" cy="776378"/>
+            </a:xfrm>
+            <a:prstGeom prst="rect">
+              <a:avLst/>
+            </a:prstGeom>
+          </p:spPr>
+          <p:style>
+            <a:lnRef idx="2">
+              <a:schemeClr val="accent6">
+                <a:shade val="50000"/>
+              </a:schemeClr>
+            </a:lnRef>
+            <a:fillRef idx="1">
+              <a:schemeClr val="accent6"/>
+            </a:fillRef>
+            <a:effectRef idx="0">
+              <a:schemeClr val="accent6"/>
+            </a:effectRef>
+            <a:fontRef idx="minor">
+              <a:schemeClr val="lt1"/>
+            </a:fontRef>
+          </p:style>
+          <p:txBody>
+            <a:bodyPr rtlCol="0" anchor="ctr"/>
+            <a:lstStyle/>
+            <a:p>
+              <a:pPr algn="ctr"/>
+              <a:endParaRPr lang="en-US"/>
+            </a:p>
+          </p:txBody>
+        </p:sp>
+        <p:sp>
+          <p:nvSpPr>
+            <p:cNvPr id="78" name="TextBox 77"/>
+            <p:cNvSpPr txBox="1"/>
+            <p:nvPr/>
+          </p:nvSpPr>
+          <p:spPr>
+            <a:xfrm>
+              <a:off x="9871665" y="5887363"/>
+              <a:ext cx="309700" cy="369332"/>
+            </a:xfrm>
+            <a:prstGeom prst="rect">
+              <a:avLst/>
+            </a:prstGeom>
+            <a:noFill/>
+          </p:spPr>
+          <p:txBody>
+            <a:bodyPr wrap="none" rtlCol="0">
+              <a:spAutoFit/>
+            </a:bodyPr>
+            <a:lstStyle/>
+            <a:p>
+              <a:r>
+                <a:rPr lang="en-US" dirty="0" smtClean="0"/>
+                <a:t>8</a:t>
+              </a:r>
+              <a:endParaRPr lang="en-US" dirty="0"/>
+            </a:p>
+          </p:txBody>
+        </p:sp>
+        <p:sp>
+          <p:nvSpPr>
+            <p:cNvPr id="79" name="Rectangle 78"/>
+            <p:cNvSpPr/>
+            <p:nvPr/>
+          </p:nvSpPr>
+          <p:spPr>
+            <a:xfrm>
+              <a:off x="7631203" y="3948023"/>
+              <a:ext cx="1052423" cy="776378"/>
+            </a:xfrm>
+            <a:prstGeom prst="rect">
+              <a:avLst/>
+            </a:prstGeom>
+          </p:spPr>
+          <p:style>
+            <a:lnRef idx="2">
+              <a:schemeClr val="accent1">
+                <a:shade val="50000"/>
+              </a:schemeClr>
+            </a:lnRef>
+            <a:fillRef idx="1">
+              <a:schemeClr val="accent1"/>
+            </a:fillRef>
+            <a:effectRef idx="0">
+              <a:schemeClr val="accent1"/>
+            </a:effectRef>
+            <a:fontRef idx="minor">
+              <a:schemeClr val="lt1"/>
+            </a:fontRef>
+          </p:style>
+          <p:txBody>
+            <a:bodyPr rtlCol="0" anchor="ctr"/>
+            <a:lstStyle/>
+            <a:p>
+              <a:pPr algn="ctr"/>
+              <a:endParaRPr lang="en-US"/>
+            </a:p>
+          </p:txBody>
+        </p:sp>
+        <p:sp>
+          <p:nvSpPr>
+            <p:cNvPr id="80" name="Rectangle 79"/>
+            <p:cNvSpPr/>
+            <p:nvPr/>
+          </p:nvSpPr>
+          <p:spPr>
+            <a:xfrm>
+              <a:off x="7631203" y="4100423"/>
+              <a:ext cx="1052423" cy="776378"/>
+            </a:xfrm>
+            <a:prstGeom prst="rect">
+              <a:avLst/>
+            </a:prstGeom>
+          </p:spPr>
+          <p:style>
+            <a:lnRef idx="2">
+              <a:schemeClr val="accent4">
+                <a:shade val="50000"/>
+              </a:schemeClr>
+            </a:lnRef>
+            <a:fillRef idx="1">
+              <a:schemeClr val="accent4"/>
+            </a:fillRef>
+            <a:effectRef idx="0">
+              <a:schemeClr val="accent4"/>
+            </a:effectRef>
+            <a:fontRef idx="minor">
+              <a:schemeClr val="lt1"/>
+            </a:fontRef>
+          </p:style>
+          <p:txBody>
+            <a:bodyPr rtlCol="0" anchor="ctr"/>
+            <a:lstStyle/>
+            <a:p>
+              <a:pPr algn="ctr"/>
+              <a:endParaRPr lang="en-US"/>
+            </a:p>
+          </p:txBody>
+        </p:sp>
+        <p:sp>
+          <p:nvSpPr>
+            <p:cNvPr id="85" name="TextBox 84"/>
+            <p:cNvSpPr txBox="1"/>
+            <p:nvPr/>
+          </p:nvSpPr>
+          <p:spPr>
+            <a:xfrm>
+              <a:off x="7966784" y="5887363"/>
+              <a:ext cx="309700" cy="369332"/>
+            </a:xfrm>
+            <a:prstGeom prst="rect">
+              <a:avLst/>
+            </a:prstGeom>
+            <a:noFill/>
+          </p:spPr>
+          <p:txBody>
+            <a:bodyPr wrap="none" rtlCol="0">
+              <a:spAutoFit/>
+            </a:bodyPr>
+            <a:lstStyle/>
+            <a:p>
+              <a:r>
+                <a:rPr lang="en-US" dirty="0" smtClean="0"/>
+                <a:t>2</a:t>
+              </a:r>
+              <a:endParaRPr lang="en-US" dirty="0"/>
+            </a:p>
+          </p:txBody>
+        </p:sp>
+        <p:sp>
+          <p:nvSpPr>
+            <p:cNvPr id="87" name="Rectangle 86"/>
+            <p:cNvSpPr/>
+            <p:nvPr/>
+          </p:nvSpPr>
+          <p:spPr>
+            <a:xfrm>
+              <a:off x="6539841" y="2186798"/>
+              <a:ext cx="1052423" cy="776378"/>
+            </a:xfrm>
+            <a:prstGeom prst="rect">
+              <a:avLst/>
+            </a:prstGeom>
+          </p:spPr>
+          <p:style>
+            <a:lnRef idx="2">
+              <a:schemeClr val="accent1">
+                <a:shade val="50000"/>
+              </a:schemeClr>
+            </a:lnRef>
+            <a:fillRef idx="1">
+              <a:schemeClr val="accent1"/>
+            </a:fillRef>
+            <a:effectRef idx="0">
+              <a:schemeClr val="accent1"/>
+            </a:effectRef>
+            <a:fontRef idx="minor">
+              <a:schemeClr val="lt1"/>
+            </a:fontRef>
+          </p:style>
+          <p:txBody>
+            <a:bodyPr rtlCol="0" anchor="ctr"/>
+            <a:lstStyle/>
+            <a:p>
+              <a:pPr algn="ctr"/>
+              <a:endParaRPr lang="en-US"/>
+            </a:p>
+          </p:txBody>
+        </p:sp>
+        <p:sp>
+          <p:nvSpPr>
+            <p:cNvPr id="88" name="Rectangle 87"/>
+            <p:cNvSpPr/>
+            <p:nvPr/>
+          </p:nvSpPr>
+          <p:spPr>
+            <a:xfrm>
+              <a:off x="8019561" y="2166668"/>
+              <a:ext cx="1052423" cy="776378"/>
+            </a:xfrm>
+            <a:prstGeom prst="rect">
+              <a:avLst/>
+            </a:prstGeom>
+          </p:spPr>
+          <p:style>
+            <a:lnRef idx="2">
+              <a:schemeClr val="accent1">
+                <a:shade val="50000"/>
+              </a:schemeClr>
+            </a:lnRef>
+            <a:fillRef idx="1">
+              <a:schemeClr val="accent1"/>
+            </a:fillRef>
+            <a:effectRef idx="0">
+              <a:schemeClr val="accent1"/>
+            </a:effectRef>
+            <a:fontRef idx="minor">
+              <a:schemeClr val="lt1"/>
+            </a:fontRef>
+          </p:style>
+          <p:txBody>
+            <a:bodyPr rtlCol="0" anchor="ctr"/>
+            <a:lstStyle/>
+            <a:p>
+              <a:pPr algn="ctr"/>
+              <a:endParaRPr lang="en-US"/>
+            </a:p>
+          </p:txBody>
+        </p:sp>
+        <p:sp>
+          <p:nvSpPr>
+            <p:cNvPr id="89" name="Rectangle 88"/>
+            <p:cNvSpPr/>
+            <p:nvPr/>
+          </p:nvSpPr>
+          <p:spPr>
+            <a:xfrm>
+              <a:off x="8037963" y="2377851"/>
+              <a:ext cx="1052423" cy="776378"/>
+            </a:xfrm>
+            <a:prstGeom prst="rect">
+              <a:avLst/>
+            </a:prstGeom>
+          </p:spPr>
+          <p:style>
+            <a:lnRef idx="2">
+              <a:schemeClr val="accent4">
+                <a:shade val="50000"/>
+              </a:schemeClr>
+            </a:lnRef>
+            <a:fillRef idx="1">
+              <a:schemeClr val="accent4"/>
+            </a:fillRef>
+            <a:effectRef idx="0">
+              <a:schemeClr val="accent4"/>
+            </a:effectRef>
+            <a:fontRef idx="minor">
+              <a:schemeClr val="lt1"/>
+            </a:fontRef>
+          </p:style>
+          <p:txBody>
+            <a:bodyPr rtlCol="0" anchor="ctr"/>
+            <a:lstStyle/>
+            <a:p>
+              <a:pPr algn="ctr"/>
+              <a:endParaRPr lang="en-US"/>
+            </a:p>
+          </p:txBody>
+        </p:sp>
+        <p:sp>
+          <p:nvSpPr>
+            <p:cNvPr id="90" name="Rectangle 89"/>
+            <p:cNvSpPr/>
+            <p:nvPr/>
+          </p:nvSpPr>
+          <p:spPr>
+            <a:xfrm>
+              <a:off x="9536084" y="2214832"/>
+              <a:ext cx="1052423" cy="776378"/>
+            </a:xfrm>
+            <a:prstGeom prst="rect">
+              <a:avLst/>
+            </a:prstGeom>
+          </p:spPr>
+          <p:style>
+            <a:lnRef idx="2">
+              <a:schemeClr val="accent1">
+                <a:shade val="50000"/>
+              </a:schemeClr>
+            </a:lnRef>
+            <a:fillRef idx="1">
+              <a:schemeClr val="accent1"/>
+            </a:fillRef>
+            <a:effectRef idx="0">
+              <a:schemeClr val="accent1"/>
+            </a:effectRef>
+            <a:fontRef idx="minor">
+              <a:schemeClr val="lt1"/>
+            </a:fontRef>
+          </p:style>
+          <p:txBody>
+            <a:bodyPr rtlCol="0" anchor="ctr"/>
+            <a:lstStyle/>
+            <a:p>
+              <a:pPr algn="ctr"/>
+              <a:endParaRPr lang="en-US"/>
+            </a:p>
+          </p:txBody>
+        </p:sp>
+        <p:sp>
+          <p:nvSpPr>
+            <p:cNvPr id="91" name="Right Arrow 90"/>
+            <p:cNvSpPr/>
+            <p:nvPr/>
+          </p:nvSpPr>
+          <p:spPr>
+            <a:xfrm>
+              <a:off x="6219645" y="431321"/>
+              <a:ext cx="4563374" cy="310551"/>
+            </a:xfrm>
+            <a:prstGeom prst="rightArrow">
+              <a:avLst/>
+            </a:prstGeom>
+            <a:solidFill>
+              <a:srgbClr val="00B0F0"/>
+            </a:solidFill>
+          </p:spPr>
+          <p:style>
+            <a:lnRef idx="1">
+              <a:schemeClr val="accent5"/>
+            </a:lnRef>
+            <a:fillRef idx="2">
+              <a:schemeClr val="accent5"/>
+            </a:fillRef>
+            <a:effectRef idx="1">
+              <a:schemeClr val="accent5"/>
+            </a:effectRef>
+            <a:fontRef idx="minor">
+              <a:schemeClr val="dk1"/>
+            </a:fontRef>
+          </p:style>
+          <p:txBody>
+            <a:bodyPr rtlCol="0" anchor="ctr"/>
+            <a:lstStyle/>
+            <a:p>
+              <a:pPr algn="ctr"/>
+              <a:endParaRPr lang="en-US"/>
+            </a:p>
+          </p:txBody>
+        </p:sp>
+        <p:sp>
+          <p:nvSpPr>
+            <p:cNvPr id="92" name="Right Arrow 91"/>
+            <p:cNvSpPr/>
+            <p:nvPr/>
+          </p:nvSpPr>
+          <p:spPr>
+            <a:xfrm rot="5400000">
+              <a:off x="9694811" y="2829626"/>
+              <a:ext cx="4218483" cy="304316"/>
+            </a:xfrm>
+            <a:prstGeom prst="rightArrow">
+              <a:avLst/>
+            </a:prstGeom>
+            <a:solidFill>
+              <a:srgbClr val="00B0F0"/>
+            </a:solidFill>
+          </p:spPr>
+          <p:style>
+            <a:lnRef idx="1">
+              <a:schemeClr val="accent5"/>
+            </a:lnRef>
+            <a:fillRef idx="2">
+              <a:schemeClr val="accent5"/>
+            </a:fillRef>
+            <a:effectRef idx="1">
+              <a:schemeClr val="accent5"/>
+            </a:effectRef>
+            <a:fontRef idx="minor">
+              <a:schemeClr val="dk1"/>
+            </a:fontRef>
+          </p:style>
+          <p:txBody>
+            <a:bodyPr rtlCol="0" anchor="ctr"/>
+            <a:lstStyle/>
+            <a:p>
+              <a:pPr algn="ctr"/>
+              <a:endParaRPr lang="en-US"/>
+            </a:p>
+          </p:txBody>
+        </p:sp>
+        <p:sp>
+          <p:nvSpPr>
+            <p:cNvPr id="93" name="Right Arrow 92"/>
+            <p:cNvSpPr/>
+            <p:nvPr/>
+          </p:nvSpPr>
+          <p:spPr>
+            <a:xfrm rot="10800000">
+              <a:off x="6880838" y="6418791"/>
+              <a:ext cx="4218483" cy="304316"/>
+            </a:xfrm>
+            <a:prstGeom prst="rightArrow">
+              <a:avLst/>
+            </a:prstGeom>
+            <a:solidFill>
+              <a:srgbClr val="00B0F0"/>
+            </a:solidFill>
+          </p:spPr>
+          <p:style>
+            <a:lnRef idx="1">
+              <a:schemeClr val="accent5"/>
+            </a:lnRef>
+            <a:fillRef idx="2">
+              <a:schemeClr val="accent5"/>
+            </a:fillRef>
+            <a:effectRef idx="1">
+              <a:schemeClr val="accent5"/>
+            </a:effectRef>
+            <a:fontRef idx="minor">
+              <a:schemeClr val="dk1"/>
+            </a:fontRef>
+          </p:style>
+          <p:txBody>
+            <a:bodyPr rtlCol="0" anchor="ctr"/>
+            <a:lstStyle/>
+            <a:p>
+              <a:pPr algn="ctr"/>
+              <a:endParaRPr lang="en-US"/>
+            </a:p>
+          </p:txBody>
+        </p:sp>
+      </p:grpSp>
+      <p:sp>
+        <p:nvSpPr>
+          <p:cNvPr id="95" name="TextBox 94"/>
+          <p:cNvSpPr txBox="1"/>
+          <p:nvPr/>
+        </p:nvSpPr>
+        <p:spPr>
+          <a:xfrm>
+            <a:off x="5503653" y="5296619"/>
+            <a:ext cx="2375266" cy="369332"/>
+          </a:xfrm>
+          <a:prstGeom prst="rect">
+            <a:avLst/>
+          </a:prstGeom>
+          <a:noFill/>
+        </p:spPr>
+        <p:txBody>
+          <a:bodyPr wrap="none" rtlCol="0">
+            <a:spAutoFit/>
+          </a:bodyPr>
+          <a:lstStyle/>
+          <a:p>
+            <a:r>
+              <a:rPr lang="en-US" dirty="0" smtClean="0"/>
+              <a:t>Accuracy  =</a:t>
+            </a:r>
+            <a:r>
+              <a:rPr lang="mr-IN" dirty="0"/>
+              <a:t> 78.70%</a:t>
+            </a:r>
+            <a:endParaRPr lang="en-US" dirty="0"/>
+          </a:p>
+        </p:txBody>
+      </p:sp>
+    </p:spTree>
+    <p:extLst>
+      <p:ext uri="{BB962C8B-B14F-4D97-AF65-F5344CB8AC3E}">
+        <p14:creationId xmlns:p14="http://schemas.microsoft.com/office/powerpoint/2010/main" val="42373991"/>
+      </p:ext>
+    </p:extLst>
+  </p:cSld>
+  <p:clrMapOvr>
+    <a:masterClrMapping/>
+  </p:clrMapOvr>
+</p:sld>
+</file>
+
+<file path=ppt/slides/slide7.xml><?xml version="1.0" encoding="utf-8"?>
+<p:sld xmlns:a="http://schemas.openxmlformats.org/drawingml/2006/main" xmlns:r="http://schemas.openxmlformats.org/officeDocument/2006/relationships" xmlns:p="http://schemas.openxmlformats.org/presentationml/2006/main">
+  <p:cSld>
+    <p:spTree>
+      <p:nvGrpSpPr>
+        <p:cNvPr id="1" name=""/>
+        <p:cNvGrpSpPr/>
+        <p:nvPr/>
+      </p:nvGrpSpPr>
+      <p:grpSpPr>
+        <a:xfrm>
+          <a:off x="0" y="0"/>
+          <a:ext cx="0" cy="0"/>
+          <a:chOff x="0" y="0"/>
+          <a:chExt cx="0" cy="0"/>
+        </a:xfrm>
+      </p:grpSpPr>
+      <p:sp>
+        <p:nvSpPr>
+          <p:cNvPr id="2" name="Title 1"/>
+          <p:cNvSpPr>
+            <a:spLocks noGrp="1"/>
+          </p:cNvSpPr>
+          <p:nvPr>
+            <p:ph type="title"/>
+          </p:nvPr>
+        </p:nvSpPr>
+        <p:spPr>
+          <a:xfrm>
+            <a:off x="725743" y="3543645"/>
+            <a:ext cx="3501197" cy="1223298"/>
+          </a:xfrm>
+        </p:spPr>
+        <p:txBody>
+          <a:bodyPr/>
+          <a:lstStyle/>
+          <a:p>
+            <a:r>
+              <a:rPr lang="en-US" dirty="0" smtClean="0"/>
+              <a:t>Second Neural Network </a:t>
+            </a:r>
+            <a:br>
+              <a:rPr lang="en-US" dirty="0" smtClean="0"/>
+            </a:br>
+            <a:r>
+              <a:rPr lang="en-US" dirty="0" smtClean="0"/>
+              <a:t>CNN</a:t>
+            </a:r>
+            <a:br>
+              <a:rPr lang="en-US" dirty="0" smtClean="0"/>
+            </a:br>
+            <a:r>
+              <a:rPr lang="en-US" dirty="0"/>
+              <a:t/>
+            </a:r>
+            <a:br>
+              <a:rPr lang="en-US" dirty="0"/>
+            </a:br>
+            <a:r>
+              <a:rPr lang="en-US" dirty="0" smtClean="0"/>
+              <a:t>80/20 split</a:t>
+            </a:r>
+            <a:br>
+              <a:rPr lang="en-US" dirty="0" smtClean="0"/>
+            </a:br>
+            <a:endParaRPr lang="en-US" dirty="0"/>
+          </a:p>
+        </p:txBody>
+      </p:sp>
+      <p:sp>
+        <p:nvSpPr>
+          <p:cNvPr id="44" name="Rectangle 43"/>
+          <p:cNvSpPr/>
+          <p:nvPr/>
+        </p:nvSpPr>
+        <p:spPr>
+          <a:xfrm>
+            <a:off x="5177682" y="1082298"/>
+            <a:ext cx="852887" cy="681255"/>
+          </a:xfrm>
+          <a:prstGeom prst="rect">
+            <a:avLst/>
+          </a:prstGeom>
+        </p:spPr>
+        <p:style>
+          <a:lnRef idx="2">
+            <a:schemeClr val="accent1">
+              <a:shade val="50000"/>
+            </a:schemeClr>
+          </a:lnRef>
+          <a:fillRef idx="1">
+            <a:schemeClr val="accent1"/>
+          </a:fillRef>
+          <a:effectRef idx="0">
+            <a:schemeClr val="accent1"/>
+          </a:effectRef>
+          <a:fontRef idx="minor">
+            <a:schemeClr val="lt1"/>
+          </a:fontRef>
+        </p:style>
+        <p:txBody>
+          <a:bodyPr rtlCol="0" anchor="ctr"/>
+          <a:lstStyle/>
+          <a:p>
+            <a:pPr algn="ctr"/>
+            <a:endParaRPr lang="en-US"/>
+          </a:p>
+        </p:txBody>
+      </p:sp>
+      <p:sp>
+        <p:nvSpPr>
+          <p:cNvPr id="45" name="Rectangle 44"/>
+          <p:cNvSpPr/>
+          <p:nvPr/>
+        </p:nvSpPr>
+        <p:spPr>
+          <a:xfrm>
+            <a:off x="5177682" y="1216025"/>
+            <a:ext cx="852887" cy="681255"/>
+          </a:xfrm>
+          <a:prstGeom prst="rect">
+            <a:avLst/>
+          </a:prstGeom>
+        </p:spPr>
+        <p:style>
+          <a:lnRef idx="2">
+            <a:schemeClr val="accent4">
+              <a:shade val="50000"/>
+            </a:schemeClr>
+          </a:lnRef>
+          <a:fillRef idx="1">
+            <a:schemeClr val="accent4"/>
+          </a:fillRef>
+          <a:effectRef idx="0">
+            <a:schemeClr val="accent4"/>
+          </a:effectRef>
+          <a:fontRef idx="minor">
+            <a:schemeClr val="lt1"/>
+          </a:fontRef>
+        </p:style>
+        <p:txBody>
+          <a:bodyPr rtlCol="0" anchor="ctr"/>
+          <a:lstStyle/>
+          <a:p>
+            <a:pPr algn="ctr"/>
+            <a:endParaRPr lang="en-US"/>
+          </a:p>
+        </p:txBody>
+      </p:sp>
+      <p:sp>
+        <p:nvSpPr>
+          <p:cNvPr id="46" name="Rectangle 45"/>
+          <p:cNvSpPr/>
+          <p:nvPr/>
+        </p:nvSpPr>
+        <p:spPr>
+          <a:xfrm>
+            <a:off x="5177682" y="1404001"/>
+            <a:ext cx="852887" cy="681255"/>
+          </a:xfrm>
+          <a:prstGeom prst="rect">
+            <a:avLst/>
+          </a:prstGeom>
+        </p:spPr>
+        <p:style>
+          <a:lnRef idx="2">
+            <a:schemeClr val="accent6">
+              <a:shade val="50000"/>
+            </a:schemeClr>
+          </a:lnRef>
+          <a:fillRef idx="1">
+            <a:schemeClr val="accent6"/>
+          </a:fillRef>
+          <a:effectRef idx="0">
+            <a:schemeClr val="accent6"/>
+          </a:effectRef>
+          <a:fontRef idx="minor">
+            <a:schemeClr val="lt1"/>
+          </a:fontRef>
+        </p:style>
+        <p:txBody>
+          <a:bodyPr rtlCol="0" anchor="ctr"/>
+          <a:lstStyle/>
+          <a:p>
+            <a:pPr algn="ctr"/>
+            <a:endParaRPr lang="en-US"/>
+          </a:p>
+        </p:txBody>
+      </p:sp>
+      <p:sp>
+        <p:nvSpPr>
+          <p:cNvPr id="47" name="Rectangle 46"/>
+          <p:cNvSpPr/>
+          <p:nvPr/>
+        </p:nvSpPr>
+        <p:spPr>
+          <a:xfrm>
+            <a:off x="5177682" y="1516282"/>
+            <a:ext cx="852887" cy="681255"/>
+          </a:xfrm>
+          <a:prstGeom prst="rect">
+            <a:avLst/>
+          </a:prstGeom>
+        </p:spPr>
+        <p:style>
+          <a:lnRef idx="2">
+            <a:schemeClr val="accent1">
+              <a:shade val="50000"/>
+            </a:schemeClr>
+          </a:lnRef>
+          <a:fillRef idx="1">
+            <a:schemeClr val="accent1"/>
+          </a:fillRef>
+          <a:effectRef idx="0">
+            <a:schemeClr val="accent1"/>
+          </a:effectRef>
+          <a:fontRef idx="minor">
+            <a:schemeClr val="lt1"/>
+          </a:fontRef>
+        </p:style>
+        <p:txBody>
+          <a:bodyPr rtlCol="0" anchor="ctr"/>
+          <a:lstStyle/>
+          <a:p>
+            <a:pPr algn="ctr"/>
+            <a:endParaRPr lang="en-US"/>
+          </a:p>
+        </p:txBody>
+      </p:sp>
+      <p:sp>
+        <p:nvSpPr>
+          <p:cNvPr id="48" name="Rectangle 47"/>
+          <p:cNvSpPr/>
+          <p:nvPr/>
+        </p:nvSpPr>
+        <p:spPr>
+          <a:xfrm>
+            <a:off x="5177682" y="1650010"/>
+            <a:ext cx="852887" cy="681255"/>
+          </a:xfrm>
+          <a:prstGeom prst="rect">
+            <a:avLst/>
+          </a:prstGeom>
+        </p:spPr>
+        <p:style>
+          <a:lnRef idx="2">
+            <a:schemeClr val="accent4">
+              <a:shade val="50000"/>
+            </a:schemeClr>
+          </a:lnRef>
+          <a:fillRef idx="1">
+            <a:schemeClr val="accent4"/>
+          </a:fillRef>
+          <a:effectRef idx="0">
+            <a:schemeClr val="accent4"/>
+          </a:effectRef>
+          <a:fontRef idx="minor">
+            <a:schemeClr val="lt1"/>
+          </a:fontRef>
+        </p:style>
+        <p:txBody>
+          <a:bodyPr rtlCol="0" anchor="ctr"/>
+          <a:lstStyle/>
+          <a:p>
+            <a:pPr algn="ctr"/>
+            <a:endParaRPr lang="en-US"/>
+          </a:p>
+        </p:txBody>
+      </p:sp>
+      <p:sp>
+        <p:nvSpPr>
+          <p:cNvPr id="49" name="Rectangle 48"/>
+          <p:cNvSpPr/>
+          <p:nvPr/>
+        </p:nvSpPr>
+        <p:spPr>
+          <a:xfrm>
+            <a:off x="5177682" y="1837986"/>
+            <a:ext cx="852887" cy="681255"/>
+          </a:xfrm>
+          <a:prstGeom prst="rect">
+            <a:avLst/>
+          </a:prstGeom>
+        </p:spPr>
+        <p:style>
+          <a:lnRef idx="2">
+            <a:schemeClr val="accent6">
+              <a:shade val="50000"/>
+            </a:schemeClr>
+          </a:lnRef>
+          <a:fillRef idx="1">
+            <a:schemeClr val="accent6"/>
+          </a:fillRef>
+          <a:effectRef idx="0">
+            <a:schemeClr val="accent6"/>
+          </a:effectRef>
+          <a:fontRef idx="minor">
+            <a:schemeClr val="lt1"/>
+          </a:fontRef>
+        </p:style>
+        <p:txBody>
+          <a:bodyPr rtlCol="0" anchor="ctr"/>
+          <a:lstStyle/>
+          <a:p>
+            <a:pPr algn="ctr"/>
+            <a:endParaRPr lang="en-US"/>
+          </a:p>
+        </p:txBody>
+      </p:sp>
+      <p:sp>
+        <p:nvSpPr>
+          <p:cNvPr id="50" name="TextBox 49"/>
+          <p:cNvSpPr txBox="1"/>
+          <p:nvPr/>
+        </p:nvSpPr>
+        <p:spPr>
+          <a:xfrm>
+            <a:off x="5130829" y="4057550"/>
+            <a:ext cx="1137917" cy="1200329"/>
+          </a:xfrm>
+          <a:prstGeom prst="rect">
+            <a:avLst/>
+          </a:prstGeom>
+          <a:noFill/>
+        </p:spPr>
+        <p:txBody>
+          <a:bodyPr wrap="square" rtlCol="0">
+            <a:spAutoFit/>
+          </a:bodyPr>
+          <a:lstStyle/>
+          <a:p>
+            <a:r>
+              <a:rPr lang="en-US" smtClean="0"/>
+              <a:t>Conv </a:t>
+            </a:r>
+          </a:p>
+          <a:p>
+            <a:r>
+              <a:rPr lang="en-US" dirty="0" smtClean="0"/>
+              <a:t>16 layers </a:t>
+            </a:r>
+          </a:p>
+          <a:p>
+            <a:r>
+              <a:rPr lang="en-US" dirty="0" smtClean="0"/>
+              <a:t>3 dim filters</a:t>
+            </a:r>
+            <a:endParaRPr lang="en-US" dirty="0"/>
+          </a:p>
+        </p:txBody>
+      </p:sp>
+      <p:sp>
+        <p:nvSpPr>
+          <p:cNvPr id="51" name="Rectangle 50"/>
+          <p:cNvSpPr/>
+          <p:nvPr/>
+        </p:nvSpPr>
+        <p:spPr>
+          <a:xfrm>
+            <a:off x="6290058" y="1082298"/>
+            <a:ext cx="852887" cy="681255"/>
+          </a:xfrm>
+          <a:prstGeom prst="rect">
+            <a:avLst/>
+          </a:prstGeom>
+        </p:spPr>
+        <p:style>
+          <a:lnRef idx="2">
+            <a:schemeClr val="accent1">
+              <a:shade val="50000"/>
+            </a:schemeClr>
+          </a:lnRef>
+          <a:fillRef idx="1">
+            <a:schemeClr val="accent1"/>
+          </a:fillRef>
+          <a:effectRef idx="0">
+            <a:schemeClr val="accent1"/>
+          </a:effectRef>
+          <a:fontRef idx="minor">
+            <a:schemeClr val="lt1"/>
+          </a:fontRef>
+        </p:style>
+        <p:txBody>
+          <a:bodyPr rtlCol="0" anchor="ctr"/>
+          <a:lstStyle/>
+          <a:p>
+            <a:pPr algn="ctr"/>
+            <a:endParaRPr lang="en-US"/>
+          </a:p>
+        </p:txBody>
+      </p:sp>
+      <p:sp>
+        <p:nvSpPr>
+          <p:cNvPr id="52" name="Rectangle 51"/>
+          <p:cNvSpPr/>
+          <p:nvPr/>
+        </p:nvSpPr>
+        <p:spPr>
+          <a:xfrm>
+            <a:off x="6290058" y="1216025"/>
+            <a:ext cx="852887" cy="681255"/>
+          </a:xfrm>
+          <a:prstGeom prst="rect">
+            <a:avLst/>
+          </a:prstGeom>
+        </p:spPr>
+        <p:style>
+          <a:lnRef idx="2">
+            <a:schemeClr val="accent4">
+              <a:shade val="50000"/>
+            </a:schemeClr>
+          </a:lnRef>
+          <a:fillRef idx="1">
+            <a:schemeClr val="accent4"/>
+          </a:fillRef>
+          <a:effectRef idx="0">
+            <a:schemeClr val="accent4"/>
+          </a:effectRef>
+          <a:fontRef idx="minor">
+            <a:schemeClr val="lt1"/>
+          </a:fontRef>
+        </p:style>
+        <p:txBody>
+          <a:bodyPr rtlCol="0" anchor="ctr"/>
+          <a:lstStyle/>
+          <a:p>
+            <a:pPr algn="ctr"/>
+            <a:endParaRPr lang="en-US"/>
+          </a:p>
+        </p:txBody>
+      </p:sp>
+      <p:sp>
+        <p:nvSpPr>
+          <p:cNvPr id="53" name="Rectangle 52"/>
+          <p:cNvSpPr/>
+          <p:nvPr/>
+        </p:nvSpPr>
+        <p:spPr>
+          <a:xfrm>
+            <a:off x="6290058" y="1404001"/>
+            <a:ext cx="852887" cy="681255"/>
+          </a:xfrm>
+          <a:prstGeom prst="rect">
+            <a:avLst/>
+          </a:prstGeom>
+        </p:spPr>
+        <p:style>
+          <a:lnRef idx="2">
+            <a:schemeClr val="accent6">
+              <a:shade val="50000"/>
+            </a:schemeClr>
+          </a:lnRef>
+          <a:fillRef idx="1">
+            <a:schemeClr val="accent6"/>
+          </a:fillRef>
+          <a:effectRef idx="0">
+            <a:schemeClr val="accent6"/>
+          </a:effectRef>
+          <a:fontRef idx="minor">
+            <a:schemeClr val="lt1"/>
+          </a:fontRef>
+        </p:style>
+        <p:txBody>
+          <a:bodyPr rtlCol="0" anchor="ctr"/>
+          <a:lstStyle/>
+          <a:p>
+            <a:pPr algn="ctr"/>
+            <a:endParaRPr lang="en-US"/>
+          </a:p>
+        </p:txBody>
+      </p:sp>
+      <p:sp>
+        <p:nvSpPr>
+          <p:cNvPr id="54" name="Rectangle 53"/>
+          <p:cNvSpPr/>
+          <p:nvPr/>
+        </p:nvSpPr>
+        <p:spPr>
+          <a:xfrm>
+            <a:off x="6290058" y="1516282"/>
+            <a:ext cx="852887" cy="681255"/>
+          </a:xfrm>
+          <a:prstGeom prst="rect">
+            <a:avLst/>
+          </a:prstGeom>
+        </p:spPr>
+        <p:style>
+          <a:lnRef idx="2">
+            <a:schemeClr val="accent1">
+              <a:shade val="50000"/>
+            </a:schemeClr>
+          </a:lnRef>
+          <a:fillRef idx="1">
+            <a:schemeClr val="accent1"/>
+          </a:fillRef>
+          <a:effectRef idx="0">
+            <a:schemeClr val="accent1"/>
+          </a:effectRef>
+          <a:fontRef idx="minor">
+            <a:schemeClr val="lt1"/>
+          </a:fontRef>
+        </p:style>
+        <p:txBody>
+          <a:bodyPr rtlCol="0" anchor="ctr"/>
+          <a:lstStyle/>
+          <a:p>
+            <a:pPr algn="ctr"/>
+            <a:endParaRPr lang="en-US"/>
+          </a:p>
+        </p:txBody>
+      </p:sp>
+      <p:sp>
+        <p:nvSpPr>
+          <p:cNvPr id="55" name="Rectangle 54"/>
+          <p:cNvSpPr/>
+          <p:nvPr/>
+        </p:nvSpPr>
+        <p:spPr>
+          <a:xfrm>
+            <a:off x="6290058" y="1650010"/>
+            <a:ext cx="852887" cy="681255"/>
+          </a:xfrm>
+          <a:prstGeom prst="rect">
+            <a:avLst/>
+          </a:prstGeom>
+        </p:spPr>
+        <p:style>
+          <a:lnRef idx="2">
+            <a:schemeClr val="accent4">
+              <a:shade val="50000"/>
+            </a:schemeClr>
+          </a:lnRef>
+          <a:fillRef idx="1">
+            <a:schemeClr val="accent4"/>
+          </a:fillRef>
+          <a:effectRef idx="0">
+            <a:schemeClr val="accent4"/>
+          </a:effectRef>
+          <a:fontRef idx="minor">
+            <a:schemeClr val="lt1"/>
+          </a:fontRef>
+        </p:style>
+        <p:txBody>
+          <a:bodyPr rtlCol="0" anchor="ctr"/>
+          <a:lstStyle/>
+          <a:p>
+            <a:pPr algn="ctr"/>
+            <a:endParaRPr lang="en-US"/>
+          </a:p>
+        </p:txBody>
+      </p:sp>
+      <p:sp>
+        <p:nvSpPr>
+          <p:cNvPr id="56" name="Rectangle 55"/>
+          <p:cNvSpPr/>
+          <p:nvPr/>
+        </p:nvSpPr>
+        <p:spPr>
+          <a:xfrm>
+            <a:off x="6290058" y="1837986"/>
+            <a:ext cx="852887" cy="681255"/>
+          </a:xfrm>
+          <a:prstGeom prst="rect">
+            <a:avLst/>
+          </a:prstGeom>
+        </p:spPr>
+        <p:style>
+          <a:lnRef idx="2">
+            <a:schemeClr val="accent6">
+              <a:shade val="50000"/>
+            </a:schemeClr>
+          </a:lnRef>
+          <a:fillRef idx="1">
+            <a:schemeClr val="accent6"/>
+          </a:fillRef>
+          <a:effectRef idx="0">
+            <a:schemeClr val="accent6"/>
+          </a:effectRef>
+          <a:fontRef idx="minor">
+            <a:schemeClr val="lt1"/>
+          </a:fontRef>
+        </p:style>
+        <p:txBody>
+          <a:bodyPr rtlCol="0" anchor="ctr"/>
+          <a:lstStyle/>
+          <a:p>
+            <a:pPr algn="ctr"/>
+            <a:endParaRPr lang="en-US"/>
+          </a:p>
+        </p:txBody>
+      </p:sp>
+      <p:sp>
+        <p:nvSpPr>
+          <p:cNvPr id="57" name="TextBox 56"/>
+          <p:cNvSpPr txBox="1"/>
+          <p:nvPr/>
+        </p:nvSpPr>
+        <p:spPr>
+          <a:xfrm>
+            <a:off x="6268746" y="4060227"/>
+            <a:ext cx="1220480" cy="1200329"/>
+          </a:xfrm>
+          <a:prstGeom prst="rect">
+            <a:avLst/>
+          </a:prstGeom>
+          <a:noFill/>
+        </p:spPr>
+        <p:txBody>
+          <a:bodyPr wrap="square" rtlCol="0">
+            <a:spAutoFit/>
+          </a:bodyPr>
+          <a:lstStyle/>
+          <a:p>
+            <a:r>
+              <a:rPr lang="en-US" dirty="0" smtClean="0"/>
+              <a:t>Conv </a:t>
+            </a:r>
+          </a:p>
+          <a:p>
+            <a:r>
+              <a:rPr lang="en-US" dirty="0" smtClean="0"/>
+              <a:t>64 layers</a:t>
+            </a:r>
+          </a:p>
+          <a:p>
+            <a:r>
+              <a:rPr lang="en-US" dirty="0" smtClean="0"/>
+              <a:t>3 dim filters</a:t>
+            </a:r>
+            <a:endParaRPr lang="en-US" dirty="0"/>
+          </a:p>
+        </p:txBody>
+      </p:sp>
+      <p:sp>
+        <p:nvSpPr>
+          <p:cNvPr id="58" name="Rectangle 57"/>
+          <p:cNvSpPr/>
+          <p:nvPr/>
+        </p:nvSpPr>
+        <p:spPr>
+          <a:xfrm>
+            <a:off x="7504141" y="1082298"/>
+            <a:ext cx="852887" cy="681255"/>
+          </a:xfrm>
+          <a:prstGeom prst="rect">
+            <a:avLst/>
+          </a:prstGeom>
+        </p:spPr>
+        <p:style>
+          <a:lnRef idx="2">
+            <a:schemeClr val="accent1">
+              <a:shade val="50000"/>
+            </a:schemeClr>
+          </a:lnRef>
+          <a:fillRef idx="1">
+            <a:schemeClr val="accent1"/>
+          </a:fillRef>
+          <a:effectRef idx="0">
+            <a:schemeClr val="accent1"/>
+          </a:effectRef>
+          <a:fontRef idx="minor">
+            <a:schemeClr val="lt1"/>
+          </a:fontRef>
+        </p:style>
+        <p:txBody>
+          <a:bodyPr rtlCol="0" anchor="ctr"/>
+          <a:lstStyle/>
+          <a:p>
+            <a:pPr algn="ctr"/>
+            <a:endParaRPr lang="en-US"/>
+          </a:p>
+        </p:txBody>
+      </p:sp>
+      <p:sp>
+        <p:nvSpPr>
+          <p:cNvPr id="59" name="Rectangle 58"/>
+          <p:cNvSpPr/>
+          <p:nvPr/>
+        </p:nvSpPr>
+        <p:spPr>
+          <a:xfrm>
+            <a:off x="7504141" y="1216025"/>
+            <a:ext cx="852887" cy="681255"/>
+          </a:xfrm>
+          <a:prstGeom prst="rect">
+            <a:avLst/>
+          </a:prstGeom>
+        </p:spPr>
+        <p:style>
+          <a:lnRef idx="2">
+            <a:schemeClr val="accent4">
+              <a:shade val="50000"/>
+            </a:schemeClr>
+          </a:lnRef>
+          <a:fillRef idx="1">
+            <a:schemeClr val="accent4"/>
+          </a:fillRef>
+          <a:effectRef idx="0">
+            <a:schemeClr val="accent4"/>
+          </a:effectRef>
+          <a:fontRef idx="minor">
+            <a:schemeClr val="lt1"/>
+          </a:fontRef>
+        </p:style>
+        <p:txBody>
+          <a:bodyPr rtlCol="0" anchor="ctr"/>
+          <a:lstStyle/>
+          <a:p>
+            <a:pPr algn="ctr"/>
+            <a:endParaRPr lang="en-US"/>
+          </a:p>
+        </p:txBody>
+      </p:sp>
+      <p:sp>
+        <p:nvSpPr>
+          <p:cNvPr id="60" name="Rectangle 59"/>
+          <p:cNvSpPr/>
+          <p:nvPr/>
+        </p:nvSpPr>
+        <p:spPr>
+          <a:xfrm>
+            <a:off x="7504141" y="1404001"/>
+            <a:ext cx="852887" cy="681255"/>
+          </a:xfrm>
+          <a:prstGeom prst="rect">
+            <a:avLst/>
+          </a:prstGeom>
+        </p:spPr>
+        <p:style>
+          <a:lnRef idx="2">
+            <a:schemeClr val="accent6">
+              <a:shade val="50000"/>
+            </a:schemeClr>
+          </a:lnRef>
+          <a:fillRef idx="1">
+            <a:schemeClr val="accent6"/>
+          </a:fillRef>
+          <a:effectRef idx="0">
+            <a:schemeClr val="accent6"/>
+          </a:effectRef>
+          <a:fontRef idx="minor">
+            <a:schemeClr val="lt1"/>
+          </a:fontRef>
+        </p:style>
+        <p:txBody>
+          <a:bodyPr rtlCol="0" anchor="ctr"/>
+          <a:lstStyle/>
+          <a:p>
+            <a:pPr algn="ctr"/>
+            <a:endParaRPr lang="en-US"/>
+          </a:p>
+        </p:txBody>
+      </p:sp>
+      <p:sp>
+        <p:nvSpPr>
+          <p:cNvPr id="61" name="Rectangle 60"/>
+          <p:cNvSpPr/>
+          <p:nvPr/>
+        </p:nvSpPr>
+        <p:spPr>
+          <a:xfrm>
+            <a:off x="7504141" y="1516282"/>
+            <a:ext cx="852887" cy="681255"/>
+          </a:xfrm>
+          <a:prstGeom prst="rect">
+            <a:avLst/>
+          </a:prstGeom>
+        </p:spPr>
+        <p:style>
+          <a:lnRef idx="2">
+            <a:schemeClr val="accent1">
+              <a:shade val="50000"/>
+            </a:schemeClr>
+          </a:lnRef>
+          <a:fillRef idx="1">
+            <a:schemeClr val="accent1"/>
+          </a:fillRef>
+          <a:effectRef idx="0">
+            <a:schemeClr val="accent1"/>
+          </a:effectRef>
+          <a:fontRef idx="minor">
+            <a:schemeClr val="lt1"/>
+          </a:fontRef>
+        </p:style>
+        <p:txBody>
+          <a:bodyPr rtlCol="0" anchor="ctr"/>
+          <a:lstStyle/>
+          <a:p>
+            <a:pPr algn="ctr"/>
+            <a:endParaRPr lang="en-US"/>
+          </a:p>
+        </p:txBody>
+      </p:sp>
+      <p:sp>
+        <p:nvSpPr>
+          <p:cNvPr id="62" name="Rectangle 61"/>
+          <p:cNvSpPr/>
+          <p:nvPr/>
+        </p:nvSpPr>
+        <p:spPr>
+          <a:xfrm>
+            <a:off x="7504141" y="1650010"/>
+            <a:ext cx="852887" cy="681255"/>
+          </a:xfrm>
+          <a:prstGeom prst="rect">
+            <a:avLst/>
+          </a:prstGeom>
+        </p:spPr>
+        <p:style>
+          <a:lnRef idx="2">
+            <a:schemeClr val="accent4">
+              <a:shade val="50000"/>
+            </a:schemeClr>
+          </a:lnRef>
+          <a:fillRef idx="1">
+            <a:schemeClr val="accent4"/>
+          </a:fillRef>
+          <a:effectRef idx="0">
+            <a:schemeClr val="accent4"/>
+          </a:effectRef>
+          <a:fontRef idx="minor">
+            <a:schemeClr val="lt1"/>
+          </a:fontRef>
+        </p:style>
+        <p:txBody>
+          <a:bodyPr rtlCol="0" anchor="ctr"/>
+          <a:lstStyle/>
+          <a:p>
+            <a:pPr algn="ctr"/>
+            <a:endParaRPr lang="en-US"/>
+          </a:p>
+        </p:txBody>
+      </p:sp>
+      <p:sp>
+        <p:nvSpPr>
+          <p:cNvPr id="63" name="Rectangle 62"/>
+          <p:cNvSpPr/>
+          <p:nvPr/>
+        </p:nvSpPr>
+        <p:spPr>
+          <a:xfrm>
+            <a:off x="7504141" y="1837986"/>
+            <a:ext cx="852887" cy="681255"/>
+          </a:xfrm>
+          <a:prstGeom prst="rect">
+            <a:avLst/>
+          </a:prstGeom>
+        </p:spPr>
+        <p:style>
+          <a:lnRef idx="2">
+            <a:schemeClr val="accent6">
+              <a:shade val="50000"/>
+            </a:schemeClr>
+          </a:lnRef>
+          <a:fillRef idx="1">
+            <a:schemeClr val="accent6"/>
+          </a:fillRef>
+          <a:effectRef idx="0">
+            <a:schemeClr val="accent6"/>
+          </a:effectRef>
+          <a:fontRef idx="minor">
+            <a:schemeClr val="lt1"/>
+          </a:fontRef>
+        </p:style>
+        <p:txBody>
+          <a:bodyPr rtlCol="0" anchor="ctr"/>
+          <a:lstStyle/>
+          <a:p>
+            <a:pPr algn="ctr"/>
+            <a:endParaRPr lang="en-US"/>
+          </a:p>
+        </p:txBody>
+      </p:sp>
+      <p:sp>
+        <p:nvSpPr>
+          <p:cNvPr id="65" name="Rectangle 64"/>
+          <p:cNvSpPr/>
+          <p:nvPr/>
+        </p:nvSpPr>
+        <p:spPr>
+          <a:xfrm>
+            <a:off x="8718223" y="1082298"/>
+            <a:ext cx="852887" cy="681255"/>
+          </a:xfrm>
+          <a:prstGeom prst="rect">
+            <a:avLst/>
+          </a:prstGeom>
+        </p:spPr>
+        <p:style>
+          <a:lnRef idx="2">
+            <a:schemeClr val="accent1">
+              <a:shade val="50000"/>
+            </a:schemeClr>
+          </a:lnRef>
+          <a:fillRef idx="1">
+            <a:schemeClr val="accent1"/>
+          </a:fillRef>
+          <a:effectRef idx="0">
+            <a:schemeClr val="accent1"/>
+          </a:effectRef>
+          <a:fontRef idx="minor">
+            <a:schemeClr val="lt1"/>
+          </a:fontRef>
+        </p:style>
+        <p:txBody>
+          <a:bodyPr rtlCol="0" anchor="ctr"/>
+          <a:lstStyle/>
+          <a:p>
+            <a:pPr algn="ctr"/>
+            <a:endParaRPr lang="en-US"/>
+          </a:p>
+        </p:txBody>
+      </p:sp>
+      <p:sp>
+        <p:nvSpPr>
+          <p:cNvPr id="66" name="Rectangle 65"/>
+          <p:cNvSpPr/>
+          <p:nvPr/>
+        </p:nvSpPr>
+        <p:spPr>
+          <a:xfrm>
+            <a:off x="8718223" y="1216025"/>
+            <a:ext cx="852887" cy="681255"/>
+          </a:xfrm>
+          <a:prstGeom prst="rect">
+            <a:avLst/>
+          </a:prstGeom>
+        </p:spPr>
+        <p:style>
+          <a:lnRef idx="2">
+            <a:schemeClr val="accent4">
+              <a:shade val="50000"/>
+            </a:schemeClr>
+          </a:lnRef>
+          <a:fillRef idx="1">
+            <a:schemeClr val="accent4"/>
+          </a:fillRef>
+          <a:effectRef idx="0">
+            <a:schemeClr val="accent4"/>
+          </a:effectRef>
+          <a:fontRef idx="minor">
+            <a:schemeClr val="lt1"/>
+          </a:fontRef>
+        </p:style>
+        <p:txBody>
+          <a:bodyPr rtlCol="0" anchor="ctr"/>
+          <a:lstStyle/>
+          <a:p>
+            <a:pPr algn="ctr"/>
+            <a:endParaRPr lang="en-US"/>
+          </a:p>
+        </p:txBody>
+      </p:sp>
+      <p:sp>
+        <p:nvSpPr>
+          <p:cNvPr id="67" name="Rectangle 66"/>
+          <p:cNvSpPr/>
+          <p:nvPr/>
+        </p:nvSpPr>
+        <p:spPr>
+          <a:xfrm>
+            <a:off x="8718223" y="1404001"/>
+            <a:ext cx="852887" cy="681255"/>
+          </a:xfrm>
+          <a:prstGeom prst="rect">
+            <a:avLst/>
+          </a:prstGeom>
+        </p:spPr>
+        <p:style>
+          <a:lnRef idx="2">
+            <a:schemeClr val="accent6">
+              <a:shade val="50000"/>
+            </a:schemeClr>
+          </a:lnRef>
+          <a:fillRef idx="1">
+            <a:schemeClr val="accent6"/>
+          </a:fillRef>
+          <a:effectRef idx="0">
+            <a:schemeClr val="accent6"/>
+          </a:effectRef>
+          <a:fontRef idx="minor">
+            <a:schemeClr val="lt1"/>
+          </a:fontRef>
+        </p:style>
+        <p:txBody>
+          <a:bodyPr rtlCol="0" anchor="ctr"/>
+          <a:lstStyle/>
+          <a:p>
+            <a:pPr algn="ctr"/>
+            <a:endParaRPr lang="en-US"/>
+          </a:p>
+        </p:txBody>
+      </p:sp>
+      <p:sp>
+        <p:nvSpPr>
+          <p:cNvPr id="68" name="Rectangle 67"/>
+          <p:cNvSpPr/>
+          <p:nvPr/>
+        </p:nvSpPr>
+        <p:spPr>
+          <a:xfrm>
+            <a:off x="8718223" y="1516282"/>
+            <a:ext cx="852887" cy="681255"/>
+          </a:xfrm>
+          <a:prstGeom prst="rect">
+            <a:avLst/>
+          </a:prstGeom>
+        </p:spPr>
+        <p:style>
+          <a:lnRef idx="2">
+            <a:schemeClr val="accent1">
+              <a:shade val="50000"/>
+            </a:schemeClr>
+          </a:lnRef>
+          <a:fillRef idx="1">
+            <a:schemeClr val="accent1"/>
+          </a:fillRef>
+          <a:effectRef idx="0">
+            <a:schemeClr val="accent1"/>
+          </a:effectRef>
+          <a:fontRef idx="minor">
+            <a:schemeClr val="lt1"/>
+          </a:fontRef>
+        </p:style>
+        <p:txBody>
+          <a:bodyPr rtlCol="0" anchor="ctr"/>
+          <a:lstStyle/>
+          <a:p>
+            <a:pPr algn="ctr"/>
+            <a:endParaRPr lang="en-US"/>
+          </a:p>
+        </p:txBody>
+      </p:sp>
+      <p:sp>
+        <p:nvSpPr>
+          <p:cNvPr id="69" name="Rectangle 68"/>
+          <p:cNvSpPr/>
+          <p:nvPr/>
+        </p:nvSpPr>
+        <p:spPr>
+          <a:xfrm>
+            <a:off x="8718223" y="1650010"/>
+            <a:ext cx="852887" cy="681255"/>
+          </a:xfrm>
+          <a:prstGeom prst="rect">
+            <a:avLst/>
+          </a:prstGeom>
+        </p:spPr>
+        <p:style>
+          <a:lnRef idx="2">
+            <a:schemeClr val="accent4">
+              <a:shade val="50000"/>
+            </a:schemeClr>
+          </a:lnRef>
+          <a:fillRef idx="1">
+            <a:schemeClr val="accent4"/>
+          </a:fillRef>
+          <a:effectRef idx="0">
+            <a:schemeClr val="accent4"/>
+          </a:effectRef>
+          <a:fontRef idx="minor">
+            <a:schemeClr val="lt1"/>
+          </a:fontRef>
+        </p:style>
+        <p:txBody>
+          <a:bodyPr rtlCol="0" anchor="ctr"/>
+          <a:lstStyle/>
+          <a:p>
+            <a:pPr algn="ctr"/>
+            <a:endParaRPr lang="en-US"/>
+          </a:p>
+        </p:txBody>
+      </p:sp>
+      <p:sp>
+        <p:nvSpPr>
+          <p:cNvPr id="70" name="Rectangle 69"/>
+          <p:cNvSpPr/>
+          <p:nvPr/>
+        </p:nvSpPr>
+        <p:spPr>
+          <a:xfrm>
+            <a:off x="8718223" y="1837986"/>
+            <a:ext cx="852887" cy="681255"/>
+          </a:xfrm>
+          <a:prstGeom prst="rect">
+            <a:avLst/>
+          </a:prstGeom>
+        </p:spPr>
+        <p:style>
+          <a:lnRef idx="2">
+            <a:schemeClr val="accent6">
+              <a:shade val="50000"/>
+            </a:schemeClr>
+          </a:lnRef>
+          <a:fillRef idx="1">
+            <a:schemeClr val="accent6"/>
+          </a:fillRef>
+          <a:effectRef idx="0">
+            <a:schemeClr val="accent6"/>
+          </a:effectRef>
+          <a:fontRef idx="minor">
+            <a:schemeClr val="lt1"/>
+          </a:fontRef>
+        </p:style>
+        <p:txBody>
+          <a:bodyPr rtlCol="0" anchor="ctr"/>
+          <a:lstStyle/>
+          <a:p>
+            <a:pPr algn="ctr"/>
+            <a:endParaRPr lang="en-US"/>
+          </a:p>
+        </p:txBody>
+      </p:sp>
+      <p:sp>
+        <p:nvSpPr>
+          <p:cNvPr id="87" name="Rectangle 86"/>
+          <p:cNvSpPr/>
+          <p:nvPr/>
+        </p:nvSpPr>
+        <p:spPr>
+          <a:xfrm>
+            <a:off x="6290057" y="1971714"/>
+            <a:ext cx="852887" cy="681255"/>
+          </a:xfrm>
+          <a:prstGeom prst="rect">
+            <a:avLst/>
+          </a:prstGeom>
+        </p:spPr>
+        <p:style>
+          <a:lnRef idx="2">
+            <a:schemeClr val="accent1">
+              <a:shade val="50000"/>
+            </a:schemeClr>
+          </a:lnRef>
+          <a:fillRef idx="1">
+            <a:schemeClr val="accent1"/>
+          </a:fillRef>
+          <a:effectRef idx="0">
+            <a:schemeClr val="accent1"/>
+          </a:effectRef>
+          <a:fontRef idx="minor">
+            <a:schemeClr val="lt1"/>
+          </a:fontRef>
+        </p:style>
+        <p:txBody>
+          <a:bodyPr rtlCol="0" anchor="ctr"/>
+          <a:lstStyle/>
+          <a:p>
+            <a:pPr algn="ctr"/>
+            <a:endParaRPr lang="en-US"/>
+          </a:p>
+        </p:txBody>
+      </p:sp>
+      <p:sp>
+        <p:nvSpPr>
+          <p:cNvPr id="88" name="Rectangle 87"/>
+          <p:cNvSpPr/>
+          <p:nvPr/>
+        </p:nvSpPr>
+        <p:spPr>
+          <a:xfrm>
+            <a:off x="7489227" y="1954050"/>
+            <a:ext cx="852887" cy="681255"/>
+          </a:xfrm>
+          <a:prstGeom prst="rect">
+            <a:avLst/>
+          </a:prstGeom>
+        </p:spPr>
+        <p:style>
+          <a:lnRef idx="2">
+            <a:schemeClr val="accent1">
+              <a:shade val="50000"/>
+            </a:schemeClr>
+          </a:lnRef>
+          <a:fillRef idx="1">
+            <a:schemeClr val="accent1"/>
+          </a:fillRef>
+          <a:effectRef idx="0">
+            <a:schemeClr val="accent1"/>
+          </a:effectRef>
+          <a:fontRef idx="minor">
+            <a:schemeClr val="lt1"/>
+          </a:fontRef>
+        </p:style>
+        <p:txBody>
+          <a:bodyPr rtlCol="0" anchor="ctr"/>
+          <a:lstStyle/>
+          <a:p>
+            <a:pPr algn="ctr"/>
+            <a:endParaRPr lang="en-US"/>
+          </a:p>
+        </p:txBody>
+      </p:sp>
+      <p:sp>
+        <p:nvSpPr>
+          <p:cNvPr id="90" name="Rectangle 89"/>
+          <p:cNvSpPr/>
+          <p:nvPr/>
+        </p:nvSpPr>
+        <p:spPr>
+          <a:xfrm>
+            <a:off x="8718223" y="1996313"/>
+            <a:ext cx="852887" cy="681255"/>
+          </a:xfrm>
+          <a:prstGeom prst="rect">
+            <a:avLst/>
+          </a:prstGeom>
+        </p:spPr>
+        <p:style>
+          <a:lnRef idx="2">
+            <a:schemeClr val="accent1">
+              <a:shade val="50000"/>
+            </a:schemeClr>
+          </a:lnRef>
+          <a:fillRef idx="1">
+            <a:schemeClr val="accent1"/>
+          </a:fillRef>
+          <a:effectRef idx="0">
+            <a:schemeClr val="accent1"/>
+          </a:effectRef>
+          <a:fontRef idx="minor">
+            <a:schemeClr val="lt1"/>
+          </a:fontRef>
+        </p:style>
+        <p:txBody>
+          <a:bodyPr rtlCol="0" anchor="ctr"/>
+          <a:lstStyle/>
+          <a:p>
+            <a:pPr algn="ctr"/>
+            <a:endParaRPr lang="en-US"/>
+          </a:p>
+        </p:txBody>
+      </p:sp>
+      <p:sp>
+        <p:nvSpPr>
+          <p:cNvPr id="91" name="Right Arrow 90"/>
+          <p:cNvSpPr/>
+          <p:nvPr/>
+        </p:nvSpPr>
+        <p:spPr>
+          <a:xfrm>
+            <a:off x="6030569" y="431321"/>
+            <a:ext cx="3698174" cy="272502"/>
+          </a:xfrm>
+          <a:prstGeom prst="rightArrow">
+            <a:avLst/>
+          </a:prstGeom>
+          <a:solidFill>
+            <a:srgbClr val="00B0F0"/>
+          </a:solidFill>
+        </p:spPr>
+        <p:style>
+          <a:lnRef idx="1">
+            <a:schemeClr val="accent5"/>
+          </a:lnRef>
+          <a:fillRef idx="2">
+            <a:schemeClr val="accent5"/>
+          </a:fillRef>
+          <a:effectRef idx="1">
+            <a:schemeClr val="accent5"/>
+          </a:effectRef>
+          <a:fontRef idx="minor">
+            <a:schemeClr val="dk1"/>
+          </a:fontRef>
+        </p:style>
+        <p:txBody>
+          <a:bodyPr rtlCol="0" anchor="ctr"/>
+          <a:lstStyle/>
+          <a:p>
+            <a:pPr algn="ctr"/>
+            <a:endParaRPr lang="en-US"/>
+          </a:p>
+        </p:txBody>
+      </p:sp>
+      <p:sp>
+        <p:nvSpPr>
+          <p:cNvPr id="81" name="TextBox 80"/>
+          <p:cNvSpPr txBox="1"/>
+          <p:nvPr/>
+        </p:nvSpPr>
+        <p:spPr>
+          <a:xfrm>
+            <a:off x="7489226" y="4057551"/>
+            <a:ext cx="1343666" cy="1200329"/>
+          </a:xfrm>
+          <a:prstGeom prst="rect">
+            <a:avLst/>
+          </a:prstGeom>
+          <a:noFill/>
+        </p:spPr>
+        <p:txBody>
+          <a:bodyPr wrap="square" rtlCol="0">
+            <a:spAutoFit/>
+          </a:bodyPr>
+          <a:lstStyle/>
+          <a:p>
+            <a:r>
+              <a:rPr lang="en-US" smtClean="0"/>
+              <a:t>Conv </a:t>
+            </a:r>
+          </a:p>
+          <a:p>
+            <a:r>
+              <a:rPr lang="en-US" dirty="0" smtClean="0"/>
+              <a:t>16 layers</a:t>
+            </a:r>
+          </a:p>
+          <a:p>
+            <a:r>
+              <a:rPr lang="en-US" dirty="0" smtClean="0"/>
+              <a:t>3 dim filters</a:t>
+            </a:r>
+          </a:p>
+        </p:txBody>
+      </p:sp>
+      <p:sp>
+        <p:nvSpPr>
+          <p:cNvPr id="3" name="TextBox 2"/>
+          <p:cNvSpPr txBox="1"/>
+          <p:nvPr/>
+        </p:nvSpPr>
+        <p:spPr>
+          <a:xfrm>
+            <a:off x="8748518" y="4060909"/>
+            <a:ext cx="857927" cy="646331"/>
+          </a:xfrm>
+          <a:prstGeom prst="rect">
+            <a:avLst/>
+          </a:prstGeom>
+          <a:noFill/>
+        </p:spPr>
+        <p:txBody>
+          <a:bodyPr wrap="none" rtlCol="0">
+            <a:spAutoFit/>
+          </a:bodyPr>
+          <a:lstStyle/>
+          <a:p>
+            <a:r>
+              <a:rPr lang="en-US" smtClean="0"/>
+              <a:t>Dense</a:t>
+            </a:r>
+          </a:p>
+          <a:p>
+            <a:r>
+              <a:rPr lang="en-US" dirty="0" smtClean="0"/>
+              <a:t>25</a:t>
+            </a:r>
+            <a:endParaRPr lang="en-US" dirty="0"/>
+          </a:p>
+        </p:txBody>
+      </p:sp>
+      <p:sp>
+        <p:nvSpPr>
+          <p:cNvPr id="4" name="Rounded Rectangle 3"/>
+          <p:cNvSpPr/>
+          <p:nvPr/>
+        </p:nvSpPr>
+        <p:spPr>
+          <a:xfrm>
+            <a:off x="5401968" y="1883810"/>
+            <a:ext cx="325971" cy="321704"/>
+          </a:xfrm>
+          <a:prstGeom prst="roundRect">
+            <a:avLst/>
+          </a:prstGeom>
+          <a:pattFill prst="pct25">
+            <a:fgClr>
+              <a:schemeClr val="accent1"/>
+            </a:fgClr>
+            <a:bgClr>
+              <a:schemeClr val="bg1"/>
+            </a:bgClr>
+          </a:pattFill>
+        </p:spPr>
+        <p:style>
+          <a:lnRef idx="2">
+            <a:schemeClr val="accent1">
+              <a:shade val="50000"/>
+            </a:schemeClr>
+          </a:lnRef>
+          <a:fillRef idx="1">
+            <a:schemeClr val="accent1"/>
+          </a:fillRef>
+          <a:effectRef idx="0">
+            <a:schemeClr val="accent1"/>
+          </a:effectRef>
+          <a:fontRef idx="minor">
+            <a:schemeClr val="lt1"/>
+          </a:fontRef>
+        </p:style>
+        <p:txBody>
+          <a:bodyPr rtlCol="0" anchor="ctr"/>
+          <a:lstStyle/>
+          <a:p>
+            <a:pPr algn="ctr"/>
+            <a:endParaRPr lang="en-US"/>
+          </a:p>
+        </p:txBody>
+      </p:sp>
+      <p:sp>
+        <p:nvSpPr>
+          <p:cNvPr id="83" name="Rounded Rectangle 82"/>
+          <p:cNvSpPr/>
+          <p:nvPr/>
+        </p:nvSpPr>
+        <p:spPr>
+          <a:xfrm>
+            <a:off x="7639119" y="2168227"/>
+            <a:ext cx="291465" cy="281333"/>
+          </a:xfrm>
+          <a:prstGeom prst="roundRect">
+            <a:avLst/>
+          </a:prstGeom>
+          <a:pattFill prst="pct25">
+            <a:fgClr>
+              <a:schemeClr val="bg1">
+                <a:lumMod val="65000"/>
+              </a:schemeClr>
+            </a:fgClr>
+            <a:bgClr>
+              <a:schemeClr val="bg1"/>
+            </a:bgClr>
+          </a:pattFill>
+        </p:spPr>
+        <p:style>
+          <a:lnRef idx="2">
+            <a:schemeClr val="accent1">
+              <a:shade val="50000"/>
+            </a:schemeClr>
+          </a:lnRef>
+          <a:fillRef idx="1">
+            <a:schemeClr val="accent1"/>
+          </a:fillRef>
+          <a:effectRef idx="0">
+            <a:schemeClr val="accent1"/>
+          </a:effectRef>
+          <a:fontRef idx="minor">
+            <a:schemeClr val="lt1"/>
+          </a:fontRef>
+        </p:style>
+        <p:txBody>
+          <a:bodyPr rtlCol="0" anchor="ctr"/>
+          <a:lstStyle/>
+          <a:p>
+            <a:pPr algn="ctr"/>
+            <a:endParaRPr lang="en-US"/>
+          </a:p>
+        </p:txBody>
+      </p:sp>
+      <p:sp>
+        <p:nvSpPr>
+          <p:cNvPr id="89" name="Rectangle 88"/>
+          <p:cNvSpPr/>
+          <p:nvPr/>
+        </p:nvSpPr>
+        <p:spPr>
+          <a:xfrm>
+            <a:off x="8732943" y="2190598"/>
+            <a:ext cx="852887" cy="681255"/>
+          </a:xfrm>
+          <a:prstGeom prst="rect">
+            <a:avLst/>
+          </a:prstGeom>
+        </p:spPr>
+        <p:style>
+          <a:lnRef idx="2">
+            <a:schemeClr val="accent4">
+              <a:shade val="50000"/>
+            </a:schemeClr>
+          </a:lnRef>
+          <a:fillRef idx="1">
+            <a:schemeClr val="accent4"/>
+          </a:fillRef>
+          <a:effectRef idx="0">
+            <a:schemeClr val="accent4"/>
+          </a:effectRef>
+          <a:fontRef idx="minor">
+            <a:schemeClr val="lt1"/>
+          </a:fontRef>
+        </p:style>
+        <p:txBody>
+          <a:bodyPr rtlCol="0" anchor="ctr"/>
+          <a:lstStyle/>
+          <a:p>
+            <a:pPr algn="ctr"/>
+            <a:endParaRPr lang="en-US"/>
+          </a:p>
+        </p:txBody>
+      </p:sp>
+      <p:sp>
+        <p:nvSpPr>
+          <p:cNvPr id="84" name="Rectangle 83"/>
+          <p:cNvSpPr/>
+          <p:nvPr/>
+        </p:nvSpPr>
+        <p:spPr>
+          <a:xfrm>
+            <a:off x="6304777" y="1972974"/>
+            <a:ext cx="852887" cy="681255"/>
+          </a:xfrm>
+          <a:prstGeom prst="rect">
+            <a:avLst/>
+          </a:prstGeom>
+        </p:spPr>
+        <p:style>
+          <a:lnRef idx="2">
+            <a:schemeClr val="accent1">
+              <a:shade val="50000"/>
+            </a:schemeClr>
+          </a:lnRef>
+          <a:fillRef idx="1">
+            <a:schemeClr val="accent1"/>
+          </a:fillRef>
+          <a:effectRef idx="0">
+            <a:schemeClr val="accent1"/>
+          </a:effectRef>
+          <a:fontRef idx="minor">
+            <a:schemeClr val="lt1"/>
+          </a:fontRef>
+        </p:style>
+        <p:txBody>
+          <a:bodyPr rtlCol="0" anchor="ctr"/>
+          <a:lstStyle/>
+          <a:p>
+            <a:pPr algn="ctr"/>
+            <a:endParaRPr lang="en-US"/>
+          </a:p>
+        </p:txBody>
+      </p:sp>
+      <p:sp>
+        <p:nvSpPr>
+          <p:cNvPr id="86" name="Rectangle 85"/>
+          <p:cNvSpPr/>
+          <p:nvPr/>
+        </p:nvSpPr>
+        <p:spPr>
+          <a:xfrm>
+            <a:off x="6304777" y="2106701"/>
+            <a:ext cx="852887" cy="681255"/>
+          </a:xfrm>
+          <a:prstGeom prst="rect">
+            <a:avLst/>
+          </a:prstGeom>
+        </p:spPr>
+        <p:style>
+          <a:lnRef idx="2">
+            <a:schemeClr val="accent4">
+              <a:shade val="50000"/>
+            </a:schemeClr>
+          </a:lnRef>
+          <a:fillRef idx="1">
+            <a:schemeClr val="accent4"/>
+          </a:fillRef>
+          <a:effectRef idx="0">
+            <a:schemeClr val="accent4"/>
+          </a:effectRef>
+          <a:fontRef idx="minor">
+            <a:schemeClr val="lt1"/>
+          </a:fontRef>
+        </p:style>
+        <p:txBody>
+          <a:bodyPr rtlCol="0" anchor="ctr"/>
+          <a:lstStyle/>
+          <a:p>
+            <a:pPr algn="ctr"/>
+            <a:endParaRPr lang="en-US"/>
+          </a:p>
+        </p:txBody>
+      </p:sp>
+      <p:sp>
+        <p:nvSpPr>
+          <p:cNvPr id="96" name="Rectangle 95"/>
+          <p:cNvSpPr/>
+          <p:nvPr/>
+        </p:nvSpPr>
+        <p:spPr>
+          <a:xfrm>
+            <a:off x="6304777" y="2294677"/>
+            <a:ext cx="852887" cy="681255"/>
+          </a:xfrm>
+          <a:prstGeom prst="rect">
+            <a:avLst/>
+          </a:prstGeom>
+        </p:spPr>
+        <p:style>
+          <a:lnRef idx="2">
+            <a:schemeClr val="accent6">
+              <a:shade val="50000"/>
+            </a:schemeClr>
+          </a:lnRef>
+          <a:fillRef idx="1">
+            <a:schemeClr val="accent6"/>
+          </a:fillRef>
+          <a:effectRef idx="0">
+            <a:schemeClr val="accent6"/>
+          </a:effectRef>
+          <a:fontRef idx="minor">
+            <a:schemeClr val="lt1"/>
+          </a:fontRef>
+        </p:style>
+        <p:txBody>
+          <a:bodyPr rtlCol="0" anchor="ctr"/>
+          <a:lstStyle/>
+          <a:p>
+            <a:pPr algn="ctr"/>
+            <a:endParaRPr lang="en-US"/>
+          </a:p>
+        </p:txBody>
+      </p:sp>
+      <p:sp>
+        <p:nvSpPr>
+          <p:cNvPr id="97" name="Rectangle 96"/>
+          <p:cNvSpPr/>
+          <p:nvPr/>
+        </p:nvSpPr>
+        <p:spPr>
+          <a:xfrm>
+            <a:off x="6304777" y="2406958"/>
+            <a:ext cx="852887" cy="681255"/>
+          </a:xfrm>
+          <a:prstGeom prst="rect">
+            <a:avLst/>
+          </a:prstGeom>
+        </p:spPr>
+        <p:style>
+          <a:lnRef idx="2">
+            <a:schemeClr val="accent1">
+              <a:shade val="50000"/>
+            </a:schemeClr>
+          </a:lnRef>
+          <a:fillRef idx="1">
+            <a:schemeClr val="accent1"/>
+          </a:fillRef>
+          <a:effectRef idx="0">
+            <a:schemeClr val="accent1"/>
+          </a:effectRef>
+          <a:fontRef idx="minor">
+            <a:schemeClr val="lt1"/>
+          </a:fontRef>
+        </p:style>
+        <p:txBody>
+          <a:bodyPr rtlCol="0" anchor="ctr"/>
+          <a:lstStyle/>
+          <a:p>
+            <a:pPr algn="ctr"/>
+            <a:endParaRPr lang="en-US"/>
+          </a:p>
+        </p:txBody>
+      </p:sp>
+      <p:sp>
+        <p:nvSpPr>
+          <p:cNvPr id="98" name="Rectangle 97"/>
+          <p:cNvSpPr/>
+          <p:nvPr/>
+        </p:nvSpPr>
+        <p:spPr>
+          <a:xfrm>
+            <a:off x="6304777" y="2540686"/>
+            <a:ext cx="852887" cy="681255"/>
+          </a:xfrm>
+          <a:prstGeom prst="rect">
+            <a:avLst/>
+          </a:prstGeom>
+        </p:spPr>
+        <p:style>
+          <a:lnRef idx="2">
+            <a:schemeClr val="accent4">
+              <a:shade val="50000"/>
+            </a:schemeClr>
+          </a:lnRef>
+          <a:fillRef idx="1">
+            <a:schemeClr val="accent4"/>
+          </a:fillRef>
+          <a:effectRef idx="0">
+            <a:schemeClr val="accent4"/>
+          </a:effectRef>
+          <a:fontRef idx="minor">
+            <a:schemeClr val="lt1"/>
+          </a:fontRef>
+        </p:style>
+        <p:txBody>
+          <a:bodyPr rtlCol="0" anchor="ctr"/>
+          <a:lstStyle/>
+          <a:p>
+            <a:pPr algn="ctr"/>
+            <a:endParaRPr lang="en-US"/>
+          </a:p>
+        </p:txBody>
+      </p:sp>
+      <p:sp>
+        <p:nvSpPr>
+          <p:cNvPr id="99" name="Rectangle 98"/>
+          <p:cNvSpPr/>
+          <p:nvPr/>
+        </p:nvSpPr>
+        <p:spPr>
+          <a:xfrm>
+            <a:off x="6304777" y="2728662"/>
+            <a:ext cx="852887" cy="681255"/>
+          </a:xfrm>
+          <a:prstGeom prst="rect">
+            <a:avLst/>
+          </a:prstGeom>
+        </p:spPr>
+        <p:style>
+          <a:lnRef idx="2">
+            <a:schemeClr val="accent6">
+              <a:shade val="50000"/>
+            </a:schemeClr>
+          </a:lnRef>
+          <a:fillRef idx="1">
+            <a:schemeClr val="accent6"/>
+          </a:fillRef>
+          <a:effectRef idx="0">
+            <a:schemeClr val="accent6"/>
+          </a:effectRef>
+          <a:fontRef idx="minor">
+            <a:schemeClr val="lt1"/>
+          </a:fontRef>
+        </p:style>
+        <p:txBody>
+          <a:bodyPr rtlCol="0" anchor="ctr"/>
+          <a:lstStyle/>
+          <a:p>
+            <a:pPr algn="ctr"/>
+            <a:endParaRPr lang="en-US"/>
+          </a:p>
+        </p:txBody>
+      </p:sp>
+      <p:sp>
+        <p:nvSpPr>
+          <p:cNvPr id="100" name="Rectangle 99"/>
+          <p:cNvSpPr/>
+          <p:nvPr/>
+        </p:nvSpPr>
+        <p:spPr>
+          <a:xfrm>
+            <a:off x="6304776" y="2862390"/>
+            <a:ext cx="852887" cy="681255"/>
+          </a:xfrm>
+          <a:prstGeom prst="rect">
+            <a:avLst/>
+          </a:prstGeom>
+        </p:spPr>
+        <p:style>
+          <a:lnRef idx="2">
+            <a:schemeClr val="accent1">
+              <a:shade val="50000"/>
+            </a:schemeClr>
+          </a:lnRef>
+          <a:fillRef idx="1">
+            <a:schemeClr val="accent1"/>
+          </a:fillRef>
+          <a:effectRef idx="0">
+            <a:schemeClr val="accent1"/>
+          </a:effectRef>
+          <a:fontRef idx="minor">
+            <a:schemeClr val="lt1"/>
+          </a:fontRef>
+        </p:style>
+        <p:txBody>
+          <a:bodyPr rtlCol="0" anchor="ctr"/>
+          <a:lstStyle/>
+          <a:p>
+            <a:pPr algn="ctr"/>
+            <a:endParaRPr lang="en-US"/>
+          </a:p>
+        </p:txBody>
+      </p:sp>
+      <p:sp>
+        <p:nvSpPr>
+          <p:cNvPr id="82" name="Rounded Rectangle 81"/>
+          <p:cNvSpPr/>
+          <p:nvPr/>
+        </p:nvSpPr>
+        <p:spPr>
+          <a:xfrm>
+            <a:off x="6425035" y="3065891"/>
+            <a:ext cx="291465" cy="281333"/>
+          </a:xfrm>
+          <a:prstGeom prst="roundRect">
+            <a:avLst/>
+          </a:prstGeom>
+          <a:pattFill prst="pct20">
+            <a:fgClr>
+              <a:schemeClr val="bg1">
+                <a:lumMod val="65000"/>
+              </a:schemeClr>
+            </a:fgClr>
+            <a:bgClr>
+              <a:schemeClr val="bg1"/>
+            </a:bgClr>
+          </a:pattFill>
+        </p:spPr>
+        <p:style>
+          <a:lnRef idx="2">
+            <a:schemeClr val="accent1">
+              <a:shade val="50000"/>
+            </a:schemeClr>
+          </a:lnRef>
+          <a:fillRef idx="1">
+            <a:schemeClr val="accent1"/>
+          </a:fillRef>
+          <a:effectRef idx="0">
+            <a:schemeClr val="accent1"/>
+          </a:effectRef>
+          <a:fontRef idx="minor">
+            <a:schemeClr val="lt1"/>
+          </a:fontRef>
+        </p:style>
+        <p:txBody>
+          <a:bodyPr rtlCol="0" anchor="ctr"/>
+          <a:lstStyle/>
+          <a:p>
+            <a:pPr algn="ctr"/>
+            <a:endParaRPr lang="en-US"/>
+          </a:p>
+        </p:txBody>
+      </p:sp>
+      <p:sp>
+        <p:nvSpPr>
+          <p:cNvPr id="101" name="Rectangle 100"/>
+          <p:cNvSpPr/>
+          <p:nvPr/>
+        </p:nvSpPr>
+        <p:spPr>
+          <a:xfrm>
+            <a:off x="9895933" y="1065868"/>
+            <a:ext cx="852887" cy="681255"/>
+          </a:xfrm>
+          <a:prstGeom prst="rect">
+            <a:avLst/>
+          </a:prstGeom>
+        </p:spPr>
+        <p:style>
+          <a:lnRef idx="2">
+            <a:schemeClr val="accent4">
+              <a:shade val="50000"/>
+            </a:schemeClr>
+          </a:lnRef>
+          <a:fillRef idx="1">
+            <a:schemeClr val="accent4"/>
+          </a:fillRef>
+          <a:effectRef idx="0">
+            <a:schemeClr val="accent4"/>
+          </a:effectRef>
+          <a:fontRef idx="minor">
+            <a:schemeClr val="lt1"/>
+          </a:fontRef>
+        </p:style>
+        <p:txBody>
+          <a:bodyPr rtlCol="0" anchor="ctr"/>
+          <a:lstStyle/>
+          <a:p>
+            <a:pPr algn="ctr"/>
+            <a:endParaRPr lang="en-US"/>
+          </a:p>
+        </p:txBody>
+      </p:sp>
+      <p:sp>
+        <p:nvSpPr>
+          <p:cNvPr id="102" name="Rectangle 101"/>
+          <p:cNvSpPr/>
+          <p:nvPr/>
+        </p:nvSpPr>
+        <p:spPr>
+          <a:xfrm>
+            <a:off x="9913852" y="1216025"/>
+            <a:ext cx="852887" cy="681255"/>
+          </a:xfrm>
+          <a:prstGeom prst="rect">
+            <a:avLst/>
+          </a:prstGeom>
+        </p:spPr>
+        <p:style>
+          <a:lnRef idx="2">
+            <a:schemeClr val="accent1">
+              <a:shade val="50000"/>
+            </a:schemeClr>
+          </a:lnRef>
+          <a:fillRef idx="1">
+            <a:schemeClr val="accent1"/>
+          </a:fillRef>
+          <a:effectRef idx="0">
+            <a:schemeClr val="accent1"/>
+          </a:effectRef>
+          <a:fontRef idx="minor">
+            <a:schemeClr val="lt1"/>
+          </a:fontRef>
+        </p:style>
+        <p:txBody>
+          <a:bodyPr rtlCol="0" anchor="ctr"/>
+          <a:lstStyle/>
+          <a:p>
+            <a:pPr algn="ctr"/>
+            <a:endParaRPr lang="en-US"/>
+          </a:p>
+        </p:txBody>
+      </p:sp>
+      <p:sp>
+        <p:nvSpPr>
+          <p:cNvPr id="104" name="TextBox 103"/>
+          <p:cNvSpPr txBox="1"/>
+          <p:nvPr/>
+        </p:nvSpPr>
+        <p:spPr>
+          <a:xfrm>
+            <a:off x="9913852" y="4057550"/>
+            <a:ext cx="857927" cy="646331"/>
+          </a:xfrm>
+          <a:prstGeom prst="rect">
+            <a:avLst/>
+          </a:prstGeom>
+          <a:noFill/>
+        </p:spPr>
+        <p:txBody>
+          <a:bodyPr wrap="none" rtlCol="0">
+            <a:spAutoFit/>
+          </a:bodyPr>
+          <a:lstStyle/>
+          <a:p>
+            <a:r>
+              <a:rPr lang="en-US" dirty="0" smtClean="0"/>
+              <a:t>Dense</a:t>
+            </a:r>
+          </a:p>
+          <a:p>
+            <a:r>
+              <a:rPr lang="en-US" dirty="0" smtClean="0"/>
+              <a:t>2</a:t>
+            </a:r>
+            <a:endParaRPr lang="en-US" dirty="0"/>
+          </a:p>
+        </p:txBody>
+      </p:sp>
+      <p:sp>
+        <p:nvSpPr>
+          <p:cNvPr id="105" name="TextBox 104"/>
+          <p:cNvSpPr txBox="1"/>
+          <p:nvPr/>
+        </p:nvSpPr>
+        <p:spPr>
+          <a:xfrm>
+            <a:off x="5528435" y="5611746"/>
+            <a:ext cx="2287101" cy="923330"/>
+          </a:xfrm>
+          <a:prstGeom prst="rect">
+            <a:avLst/>
+          </a:prstGeom>
+          <a:noFill/>
+        </p:spPr>
+        <p:txBody>
+          <a:bodyPr wrap="none" rtlCol="0">
+            <a:spAutoFit/>
+          </a:bodyPr>
+          <a:lstStyle/>
+          <a:p>
+            <a:r>
+              <a:rPr lang="en-US" dirty="0" smtClean="0"/>
+              <a:t>Accuracy  = 73.66</a:t>
+            </a:r>
+            <a:r>
+              <a:rPr lang="mr-IN" dirty="0" smtClean="0"/>
+              <a:t>%</a:t>
+            </a:r>
+            <a:endParaRPr lang="en-US" dirty="0" smtClean="0"/>
+          </a:p>
+          <a:p>
+            <a:r>
+              <a:rPr lang="en-US" dirty="0" smtClean="0"/>
+              <a:t>Precision = 66.39%</a:t>
+            </a:r>
+          </a:p>
+          <a:p>
+            <a:r>
+              <a:rPr lang="en-US" dirty="0" smtClean="0">
+                <a:solidFill>
+                  <a:srgbClr val="FF0000"/>
+                </a:solidFill>
+              </a:rPr>
+              <a:t>Recall = 91.72%</a:t>
+            </a:r>
+            <a:endParaRPr lang="en-US" dirty="0">
+              <a:solidFill>
+                <a:srgbClr val="FF0000"/>
+              </a:solidFill>
+            </a:endParaRPr>
+          </a:p>
+        </p:txBody>
+      </p:sp>
+    </p:spTree>
+    <p:extLst>
+      <p:ext uri="{BB962C8B-B14F-4D97-AF65-F5344CB8AC3E}">
+        <p14:creationId xmlns:p14="http://schemas.microsoft.com/office/powerpoint/2010/main" val="120418639"/>
+      </p:ext>
+    </p:extLst>
+  </p:cSld>
+  <p:clrMapOvr>
+    <a:masterClrMapping/>
+  </p:clrMapOvr>
+</p:sld>
+</file>
+
+<file path=ppt/slides/slide8.xml><?xml version="1.0" encoding="utf-8"?>
+<p:sld xmlns:a="http://schemas.openxmlformats.org/drawingml/2006/main" xmlns:r="http://schemas.openxmlformats.org/officeDocument/2006/relationships" xmlns:p="http://schemas.openxmlformats.org/presentationml/2006/main">
+  <p:cSld>
+    <p:spTree>
+      <p:nvGrpSpPr>
+        <p:cNvPr id="1" name=""/>
+        <p:cNvGrpSpPr/>
+        <p:nvPr/>
+      </p:nvGrpSpPr>
+      <p:grpSpPr>
+        <a:xfrm>
+          <a:off x="0" y="0"/>
+          <a:ext cx="0" cy="0"/>
+          <a:chOff x="0" y="0"/>
+          <a:chExt cx="0" cy="0"/>
+        </a:xfrm>
+      </p:grpSpPr>
+      <p:sp>
+        <p:nvSpPr>
+          <p:cNvPr id="2" name="Title 1"/>
+          <p:cNvSpPr>
+            <a:spLocks noGrp="1"/>
+          </p:cNvSpPr>
+          <p:nvPr>
+            <p:ph type="title"/>
+          </p:nvPr>
+        </p:nvSpPr>
+        <p:spPr/>
+        <p:txBody>
+          <a:bodyPr/>
+          <a:lstStyle/>
+          <a:p>
+            <a:r>
+              <a:rPr lang="en-US" dirty="0" smtClean="0"/>
+              <a:t>Precision / Recall</a:t>
+            </a:r>
+            <a:endParaRPr lang="en-US" dirty="0"/>
+          </a:p>
+        </p:txBody>
+      </p:sp>
+      <p:cxnSp>
+        <p:nvCxnSpPr>
+          <p:cNvPr id="7" name="Straight Arrow Connector 6"/>
+          <p:cNvCxnSpPr/>
+          <p:nvPr/>
+        </p:nvCxnSpPr>
+        <p:spPr>
+          <a:xfrm>
+            <a:off x="11110822" y="2829464"/>
+            <a:ext cx="17253" cy="931652"/>
+          </a:xfrm>
+          <a:prstGeom prst="straightConnector1">
+            <a:avLst/>
+          </a:prstGeom>
+          <a:ln>
+            <a:tailEnd type="triangle"/>
+          </a:ln>
+        </p:spPr>
+        <p:style>
+          <a:lnRef idx="1">
+            <a:schemeClr val="accent1"/>
+          </a:lnRef>
+          <a:fillRef idx="0">
+            <a:schemeClr val="accent1"/>
+          </a:fillRef>
+          <a:effectRef idx="0">
+            <a:schemeClr val="accent1"/>
+          </a:effectRef>
+          <a:fontRef idx="minor">
+            <a:schemeClr val="tx1"/>
+          </a:fontRef>
+        </p:style>
+      </p:cxnSp>
+      <p:pic>
+        <p:nvPicPr>
+          <p:cNvPr id="9" name="Picture 8"/>
+          <p:cNvPicPr>
+            <a:picLocks noChangeAspect="1"/>
+          </p:cNvPicPr>
+          <p:nvPr/>
+        </p:nvPicPr>
+        <p:blipFill>
+          <a:blip r:embed="rId2">
+            <a:extLst>
+              <a:ext uri="{28A0092B-C50C-407E-A947-70E740481C1C}">
+                <a14:useLocalDpi xmlns:a14="http://schemas.microsoft.com/office/drawing/2010/main" val="0"/>
+              </a:ext>
+            </a:extLst>
+          </a:blip>
+          <a:stretch>
+            <a:fillRect/>
+          </a:stretch>
+        </p:blipFill>
+        <p:spPr>
+          <a:xfrm>
+            <a:off x="4588024" y="684025"/>
+            <a:ext cx="7379777" cy="5319960"/>
+          </a:xfrm>
+          <a:prstGeom prst="rect">
+            <a:avLst/>
+          </a:prstGeom>
+        </p:spPr>
+      </p:pic>
+      <p:cxnSp>
+        <p:nvCxnSpPr>
+          <p:cNvPr id="11" name="Straight Arrow Connector 10"/>
+          <p:cNvCxnSpPr/>
+          <p:nvPr/>
+        </p:nvCxnSpPr>
+        <p:spPr>
+          <a:xfrm>
+            <a:off x="10271096" y="2001328"/>
+            <a:ext cx="1" cy="1656271"/>
+          </a:xfrm>
+          <a:prstGeom prst="straightConnector1">
+            <a:avLst/>
+          </a:prstGeom>
+          <a:ln w="53975">
+            <a:tailEnd type="triangle"/>
+          </a:ln>
+        </p:spPr>
+        <p:style>
+          <a:lnRef idx="1">
+            <a:schemeClr val="accent1"/>
+          </a:lnRef>
+          <a:fillRef idx="0">
+            <a:schemeClr val="accent1"/>
+          </a:fillRef>
+          <a:effectRef idx="0">
+            <a:schemeClr val="accent1"/>
+          </a:effectRef>
+          <a:fontRef idx="minor">
+            <a:schemeClr val="tx1"/>
+          </a:fontRef>
+        </p:style>
+      </p:cxnSp>
+      <p:sp>
+        <p:nvSpPr>
+          <p:cNvPr id="15" name="TextBox 14"/>
+          <p:cNvSpPr txBox="1"/>
+          <p:nvPr/>
+        </p:nvSpPr>
+        <p:spPr>
+          <a:xfrm>
+            <a:off x="3280799" y="6193767"/>
+            <a:ext cx="7847276" cy="369332"/>
+          </a:xfrm>
+          <a:prstGeom prst="rect">
+            <a:avLst/>
+          </a:prstGeom>
+          <a:noFill/>
+        </p:spPr>
+        <p:txBody>
+          <a:bodyPr wrap="none" rtlCol="0">
+            <a:spAutoFit/>
+          </a:bodyPr>
+          <a:lstStyle/>
+          <a:p>
+            <a:r>
+              <a:rPr lang="en-US" dirty="0" smtClean="0"/>
+              <a:t>A Recall of 91% and a precision of 66% gives the </a:t>
+            </a:r>
+            <a:r>
+              <a:rPr lang="en-US" smtClean="0"/>
+              <a:t>best accuracy/F1 score</a:t>
+            </a:r>
+            <a:endParaRPr lang="en-US" dirty="0"/>
+          </a:p>
+        </p:txBody>
+      </p:sp>
+    </p:spTree>
+    <p:extLst>
+      <p:ext uri="{BB962C8B-B14F-4D97-AF65-F5344CB8AC3E}">
+        <p14:creationId xmlns:p14="http://schemas.microsoft.com/office/powerpoint/2010/main" val="188474179"/>
+      </p:ext>
+    </p:extLst>
+  </p:cSld>
+  <p:clrMapOvr>
+    <a:masterClrMapping/>
+  </p:clrMapOvr>
+</p:sld>
+</file>
+
+<file path=ppt/slides/slide9.xml><?xml version="1.0" encoding="utf-8"?>
+<p:sld xmlns:a="http://schemas.openxmlformats.org/drawingml/2006/main" xmlns:r="http://schemas.openxmlformats.org/officeDocument/2006/relationships" xmlns:p="http://schemas.openxmlformats.org/presentationml/2006/main">
+  <p:cSld>
+    <p:spTree>
+      <p:nvGrpSpPr>
+        <p:cNvPr id="1" name=""/>
+        <p:cNvGrpSpPr/>
+        <p:nvPr/>
+      </p:nvGrpSpPr>
+      <p:grpSpPr>
+        <a:xfrm>
+          <a:off x="0" y="0"/>
+          <a:ext cx="0" cy="0"/>
+          <a:chOff x="0" y="0"/>
+          <a:chExt cx="0" cy="0"/>
+        </a:xfrm>
+      </p:grpSpPr>
+      <p:sp>
+        <p:nvSpPr>
+          <p:cNvPr id="2" name="Title 1"/>
+          <p:cNvSpPr>
+            <a:spLocks noGrp="1"/>
+          </p:cNvSpPr>
+          <p:nvPr>
+            <p:ph type="title"/>
+          </p:nvPr>
+        </p:nvSpPr>
+        <p:spPr/>
+        <p:txBody>
+          <a:bodyPr/>
+          <a:lstStyle/>
+          <a:p>
+            <a:r>
+              <a:rPr lang="en-US" dirty="0" smtClean="0"/>
+              <a:t>Predicted vs Actual</a:t>
+            </a:r>
+            <a:endParaRPr lang="en-US" dirty="0"/>
+          </a:p>
+        </p:txBody>
+      </p:sp>
+      <p:pic>
+        <p:nvPicPr>
+          <p:cNvPr id="5" name="Picture 4"/>
+          <p:cNvPicPr>
+            <a:picLocks noChangeAspect="1"/>
+          </p:cNvPicPr>
+          <p:nvPr/>
+        </p:nvPicPr>
+        <p:blipFill>
+          <a:blip r:embed="rId2">
+            <a:extLst>
+              <a:ext uri="{28A0092B-C50C-407E-A947-70E740481C1C}">
+                <a14:useLocalDpi xmlns:a14="http://schemas.microsoft.com/office/drawing/2010/main" val="0"/>
+              </a:ext>
+            </a:extLst>
+          </a:blip>
+          <a:stretch>
+            <a:fillRect/>
+          </a:stretch>
+        </p:blipFill>
+        <p:spPr>
+          <a:xfrm>
+            <a:off x="4832469" y="165100"/>
+            <a:ext cx="6413500" cy="6692900"/>
+          </a:xfrm>
+          <a:prstGeom prst="rect">
+            <a:avLst/>
+          </a:prstGeom>
+        </p:spPr>
+      </p:pic>
+    </p:spTree>
+    <p:extLst>
+      <p:ext uri="{BB962C8B-B14F-4D97-AF65-F5344CB8AC3E}">
+        <p14:creationId xmlns:p14="http://schemas.microsoft.com/office/powerpoint/2010/main" val="1092558022"/>
       </p:ext>
     </p:extLst>
   </p:cSld>
